--- a/misc/scythe_grass_trimmer.pptx
+++ b/misc/scythe_grass_trimmer.pptx
@@ -197,7 +197,7 @@
           </a:lstStyle>
           <a:p>
             <a:fld id="{E8E811CC-6321-BF4C-AA9B-846696B364A6}" type="datetimeFigureOut">
-              <a:t>7/8/23</a:t>
+              <a:t>6/13/25</a:t>
             </a:fld>
             <a:endParaRPr lang="en-US"/>
           </a:p>
@@ -609,7 +609,7 @@
           <a:lstStyle/>
           <a:p>
             <a:fld id="{16286276-9013-2A43-82D1-BA4685C95117}" type="datetimeFigureOut">
-              <a:t>7/8/23</a:t>
+              <a:t>6/13/25</a:t>
             </a:fld>
             <a:endParaRPr lang="en-US"/>
           </a:p>
@@ -805,7 +805,7 @@
           <a:lstStyle/>
           <a:p>
             <a:fld id="{16286276-9013-2A43-82D1-BA4685C95117}" type="datetimeFigureOut">
-              <a:t>7/8/23</a:t>
+              <a:t>6/13/25</a:t>
             </a:fld>
             <a:endParaRPr lang="en-US"/>
           </a:p>
@@ -1011,7 +1011,7 @@
           <a:lstStyle/>
           <a:p>
             <a:fld id="{16286276-9013-2A43-82D1-BA4685C95117}" type="datetimeFigureOut">
-              <a:t>7/8/23</a:t>
+              <a:t>6/13/25</a:t>
             </a:fld>
             <a:endParaRPr lang="en-US"/>
           </a:p>
@@ -1207,7 +1207,7 @@
           <a:lstStyle/>
           <a:p>
             <a:fld id="{16286276-9013-2A43-82D1-BA4685C95117}" type="datetimeFigureOut">
-              <a:t>7/8/23</a:t>
+              <a:t>6/13/25</a:t>
             </a:fld>
             <a:endParaRPr lang="en-US"/>
           </a:p>
@@ -1480,7 +1480,7 @@
           <a:lstStyle/>
           <a:p>
             <a:fld id="{16286276-9013-2A43-82D1-BA4685C95117}" type="datetimeFigureOut">
-              <a:t>7/8/23</a:t>
+              <a:t>6/13/25</a:t>
             </a:fld>
             <a:endParaRPr lang="en-US"/>
           </a:p>
@@ -1743,7 +1743,7 @@
           <a:lstStyle/>
           <a:p>
             <a:fld id="{16286276-9013-2A43-82D1-BA4685C95117}" type="datetimeFigureOut">
-              <a:t>7/8/23</a:t>
+              <a:t>6/13/25</a:t>
             </a:fld>
             <a:endParaRPr lang="en-US"/>
           </a:p>
@@ -2153,7 +2153,7 @@
           <a:lstStyle/>
           <a:p>
             <a:fld id="{16286276-9013-2A43-82D1-BA4685C95117}" type="datetimeFigureOut">
-              <a:t>7/8/23</a:t>
+              <a:t>6/13/25</a:t>
             </a:fld>
             <a:endParaRPr lang="en-US"/>
           </a:p>
@@ -2292,7 +2292,7 @@
           <a:lstStyle/>
           <a:p>
             <a:fld id="{16286276-9013-2A43-82D1-BA4685C95117}" type="datetimeFigureOut">
-              <a:t>7/8/23</a:t>
+              <a:t>6/13/25</a:t>
             </a:fld>
             <a:endParaRPr lang="en-US"/>
           </a:p>
@@ -2403,7 +2403,7 @@
           <a:lstStyle/>
           <a:p>
             <a:fld id="{16286276-9013-2A43-82D1-BA4685C95117}" type="datetimeFigureOut">
-              <a:t>7/8/23</a:t>
+              <a:t>6/13/25</a:t>
             </a:fld>
             <a:endParaRPr lang="en-US"/>
           </a:p>
@@ -2712,7 +2712,7 @@
           <a:lstStyle/>
           <a:p>
             <a:fld id="{16286276-9013-2A43-82D1-BA4685C95117}" type="datetimeFigureOut">
-              <a:t>7/8/23</a:t>
+              <a:t>6/13/25</a:t>
             </a:fld>
             <a:endParaRPr lang="en-US"/>
           </a:p>
@@ -2998,7 +2998,7 @@
           <a:lstStyle/>
           <a:p>
             <a:fld id="{16286276-9013-2A43-82D1-BA4685C95117}" type="datetimeFigureOut">
-              <a:t>7/8/23</a:t>
+              <a:t>6/13/25</a:t>
             </a:fld>
             <a:endParaRPr lang="en-US"/>
           </a:p>
@@ -3237,7 +3237,7 @@
           </a:lstStyle>
           <a:p>
             <a:fld id="{16286276-9013-2A43-82D1-BA4685C95117}" type="datetimeFigureOut">
-              <a:t>7/8/23</a:t>
+              <a:t>6/13/25</a:t>
             </a:fld>
             <a:endParaRPr lang="en-US"/>
           </a:p>
@@ -4132,7 +4132,7 @@
         <p:spPr>
           <a:xfrm>
             <a:off x="0" y="-41699"/>
-            <a:ext cx="5097517" cy="954107"/>
+            <a:ext cx="5921829" cy="523220"/>
           </a:xfrm>
           <a:prstGeom prst="rect">
             <a:avLst/>
@@ -4151,17 +4151,7 @@
                   <a:srgbClr val="0070C0"/>
                 </a:solidFill>
               </a:rPr>
-              <a:t>DEWALT Cordless String Trimmer </a:t>
-            </a:r>
-          </a:p>
-          <a:p>
-            <a:r>
-              <a:rPr lang="en-US" sz="2800" b="1" dirty="0">
-                <a:solidFill>
-                  <a:srgbClr val="0070C0"/>
-                </a:solidFill>
-              </a:rPr>
-              <a:t>20V MAX Battery</a:t>
+              <a:t>DEWALT Cordless String Trimmers </a:t>
             </a:r>
           </a:p>
         </p:txBody>
@@ -4180,8 +4170,8 @@
         </p:nvSpPr>
         <p:spPr>
           <a:xfrm>
-            <a:off x="358008" y="1709849"/>
-            <a:ext cx="4150930" cy="692497"/>
+            <a:off x="244967" y="1086914"/>
+            <a:ext cx="4501204" cy="954107"/>
           </a:xfrm>
           <a:prstGeom prst="rect">
             <a:avLst/>
@@ -4204,27 +4194,6 @@
           </a:bodyPr>
           <a:lstStyle/>
           <a:p>
-            <a:pPr marL="285750" indent="-285750">
-              <a:buFont typeface="Arial" panose="020B0604020202020204" pitchFamily="34" charset="0"/>
-              <a:buChar char="•"/>
-            </a:pPr>
-            <a:r>
-              <a:rPr lang="en-US" sz="1400" b="0" i="0" dirty="0">
-                <a:solidFill>
-                  <a:srgbClr val="374151"/>
-                </a:solidFill>
-                <a:effectLst/>
-                <a:latin typeface="Calibri" panose="020F0502020204030204" pitchFamily="34" charset="0"/>
-                <a:cs typeface="Calibri" panose="020F0502020204030204" pitchFamily="34" charset="0"/>
-              </a:rPr>
-              <a:t>$140</a:t>
-            </a:r>
-          </a:p>
-          <a:p>
-            <a:pPr marL="285750" indent="-285750">
-              <a:buFont typeface="Arial" panose="020B0604020202020204" pitchFamily="34" charset="0"/>
-              <a:buChar char="•"/>
-            </a:pPr>
             <a:r>
               <a:rPr lang="en-US" sz="1400" dirty="0">
                 <a:solidFill>
@@ -4233,9 +4202,11 @@
                 <a:latin typeface="Calibri" panose="020F0502020204030204" pitchFamily="34" charset="0"/>
                 <a:cs typeface="Calibri" panose="020F0502020204030204" pitchFamily="34" charset="0"/>
               </a:rPr>
-              <a:t>can use string, nylon or metal blades</a:t>
-            </a:r>
-            <a:br>
+              <a:t>Dewalt trimmers:</a:t>
+            </a:r>
+          </a:p>
+          <a:p>
+            <a:r>
               <a:rPr lang="en-US" sz="1400" dirty="0">
                 <a:solidFill>
                   <a:srgbClr val="374151"/>
@@ -4243,25 +4214,32 @@
                 <a:latin typeface="Calibri" panose="020F0502020204030204" pitchFamily="34" charset="0"/>
                 <a:cs typeface="Calibri" panose="020F0502020204030204" pitchFamily="34" charset="0"/>
               </a:rPr>
-            </a:br>
-            <a:r>
-              <a:rPr lang="en-US" sz="1100" dirty="0">
+              <a:t>DCST920 – 20V string trimmer</a:t>
+            </a:r>
+          </a:p>
+          <a:p>
+            <a:r>
+              <a:rPr lang="en-US" sz="1400" dirty="0">
                 <a:solidFill>
                   <a:srgbClr val="374151"/>
                 </a:solidFill>
                 <a:latin typeface="Calibri" panose="020F0502020204030204" pitchFamily="34" charset="0"/>
                 <a:cs typeface="Calibri" panose="020F0502020204030204" pitchFamily="34" charset="0"/>
-                <a:hlinkClick r:id="rId2"/>
               </a:rPr>
-              <a:t>https://www.amazon.com/gp/product/B0045PS4RW</a:t>
-            </a:r>
-            <a:endParaRPr lang="en-US" sz="1400" dirty="0">
-              <a:solidFill>
-                <a:srgbClr val="374151"/>
-              </a:solidFill>
-              <a:latin typeface="Calibri" panose="020F0502020204030204" pitchFamily="34" charset="0"/>
-              <a:cs typeface="Calibri" panose="020F0502020204030204" pitchFamily="34" charset="0"/>
-            </a:endParaRPr>
+              <a:t>DCST972B string cutter  $289.00 (can change attachments)</a:t>
+            </a:r>
+          </a:p>
+          <a:p>
+            <a:r>
+              <a:rPr lang="en-US" sz="1400" dirty="0">
+                <a:solidFill>
+                  <a:srgbClr val="374151"/>
+                </a:solidFill>
+                <a:latin typeface="Calibri" panose="020F0502020204030204" pitchFamily="34" charset="0"/>
+                <a:cs typeface="Calibri" panose="020F0502020204030204" pitchFamily="34" charset="0"/>
+              </a:rPr>
+              <a:t>DWOAS5BC  8" brush cutter attachment  $91.12</a:t>
+            </a:r>
           </a:p>
         </p:txBody>
       </p:sp>
@@ -4280,7 +4258,7 @@
           <p:nvPr/>
         </p:nvPicPr>
         <p:blipFill>
-          <a:blip r:embed="rId3" cstate="email">
+          <a:blip r:embed="rId2" cstate="email">
             <a:extLst>
               <a:ext uri="{28A0092B-C50C-407E-A947-70E740481C1C}">
                 <a14:useLocalDpi xmlns:a14="http://schemas.microsoft.com/office/drawing/2010/main"/>
@@ -4316,7 +4294,7 @@
           <p:nvPr/>
         </p:nvPicPr>
         <p:blipFill>
-          <a:blip r:embed="rId4" cstate="email">
+          <a:blip r:embed="rId3" cstate="email">
             <a:extLst>
               <a:ext uri="{28A0092B-C50C-407E-A947-70E740481C1C}">
                 <a14:useLocalDpi xmlns:a14="http://schemas.microsoft.com/office/drawing/2010/main"/>
@@ -4352,7 +4330,7 @@
           <p:nvPr/>
         </p:nvPicPr>
         <p:blipFill>
-          <a:blip r:embed="rId5" cstate="email">
+          <a:blip r:embed="rId4" cstate="email">
             <a:extLst>
               <a:ext uri="{28A0092B-C50C-407E-A947-70E740481C1C}">
                 <a14:useLocalDpi xmlns:a14="http://schemas.microsoft.com/office/drawing/2010/main"/>
@@ -4425,31 +4403,31 @@
           <a:p>
             <a:r>
               <a:rPr lang="en-US" sz="1400" dirty="0">
-                <a:hlinkClick r:id="rId6"/>
+                <a:hlinkClick r:id="rId5"/>
               </a:rPr>
               <a:t>https://</a:t>
             </a:r>
             <a:r>
               <a:rPr lang="en-US" sz="1400" dirty="0" err="1">
-                <a:hlinkClick r:id="rId6"/>
+                <a:hlinkClick r:id="rId5"/>
               </a:rPr>
               <a:t>www.amazon.com</a:t>
             </a:r>
             <a:r>
               <a:rPr lang="en-US" sz="1400" dirty="0">
-                <a:hlinkClick r:id="rId6"/>
+                <a:hlinkClick r:id="rId5"/>
               </a:rPr>
               <a:t>/</a:t>
             </a:r>
             <a:r>
               <a:rPr lang="en-US" sz="1400" dirty="0" err="1">
-                <a:hlinkClick r:id="rId6"/>
+                <a:hlinkClick r:id="rId5"/>
               </a:rPr>
               <a:t>dp</a:t>
             </a:r>
             <a:r>
               <a:rPr lang="en-US" sz="1400" dirty="0">
-                <a:hlinkClick r:id="rId6"/>
+                <a:hlinkClick r:id="rId5"/>
               </a:rPr>
               <a:t>/B0BK6RRMZX</a:t>
             </a:r>
@@ -4472,7 +4450,7 @@
           <p:nvPr/>
         </p:nvPicPr>
         <p:blipFill>
-          <a:blip r:embed="rId7" cstate="email">
+          <a:blip r:embed="rId6" cstate="email">
             <a:extLst>
               <a:ext uri="{28A0092B-C50C-407E-A947-70E740481C1C}">
                 <a14:useLocalDpi xmlns:a14="http://schemas.microsoft.com/office/drawing/2010/main"/>
@@ -4485,7 +4463,7 @@
         </p:blipFill>
         <p:spPr>
           <a:xfrm>
-            <a:off x="4914900" y="1959742"/>
+            <a:off x="8759183" y="4161680"/>
             <a:ext cx="1181100" cy="1193800"/>
           </a:xfrm>
           <a:prstGeom prst="rect">
@@ -4507,13 +4485,18 @@
         </p:nvSpPr>
         <p:spPr>
           <a:xfrm>
-            <a:off x="4645573" y="3115261"/>
-            <a:ext cx="2322786" cy="523220"/>
+            <a:off x="9166553" y="5571030"/>
+            <a:ext cx="2767598" cy="661720"/>
           </a:xfrm>
           <a:prstGeom prst="rect">
             <a:avLst/>
           </a:prstGeom>
-          <a:noFill/>
+          <a:solidFill>
+            <a:schemeClr val="accent4">
+              <a:lumMod val="20000"/>
+              <a:lumOff val="80000"/>
+            </a:schemeClr>
+          </a:solidFill>
         </p:spPr>
         <p:txBody>
           <a:bodyPr wrap="square">
@@ -4531,6 +4514,27 @@
               <a:rPr lang="en-US" sz="1400" dirty="0"/>
               <a:t>Weed Trimmer Blade Head</a:t>
             </a:r>
+            <a:br>
+              <a:rPr lang="en-US" sz="900" dirty="0">
+                <a:solidFill>
+                  <a:srgbClr val="374151"/>
+                </a:solidFill>
+                <a:latin typeface="Calibri" panose="020F0502020204030204" pitchFamily="34" charset="0"/>
+                <a:cs typeface="Calibri" panose="020F0502020204030204" pitchFamily="34" charset="0"/>
+              </a:rPr>
+            </a:br>
+            <a:r>
+              <a:rPr lang="en-US" sz="900" dirty="0">
+                <a:solidFill>
+                  <a:srgbClr val="374151"/>
+                </a:solidFill>
+                <a:latin typeface="Calibri" panose="020F0502020204030204" pitchFamily="34" charset="0"/>
+                <a:cs typeface="Calibri" panose="020F0502020204030204" pitchFamily="34" charset="0"/>
+                <a:hlinkClick r:id="rId7"/>
+              </a:rPr>
+              <a:t>https://www.amazon.com/gp/product/B0045PS4RW</a:t>
+            </a:r>
+            <a:endParaRPr lang="en-US" sz="900" dirty="0"/>
           </a:p>
         </p:txBody>
       </p:sp>
@@ -4562,8 +4566,8 @@
         </p:blipFill>
         <p:spPr>
           <a:xfrm>
-            <a:off x="6846724" y="1779734"/>
-            <a:ext cx="2243740" cy="1436439"/>
+            <a:off x="10062106" y="4112557"/>
+            <a:ext cx="1771885" cy="1134358"/>
           </a:xfrm>
           <a:prstGeom prst="rect">
             <a:avLst/>
@@ -4605,6 +4609,230 @@
           </a:p>
         </p:txBody>
       </p:sp>
+      <p:pic>
+        <p:nvPicPr>
+          <p:cNvPr id="2" name="Picture 1">
+            <a:extLst>
+              <a:ext uri="{FF2B5EF4-FFF2-40B4-BE49-F238E27FC236}">
+                <a16:creationId xmlns:a16="http://schemas.microsoft.com/office/drawing/2014/main" id="{648733F7-BD2B-23F7-9769-9A354B144646}"/>
+              </a:ext>
+            </a:extLst>
+          </p:cNvPr>
+          <p:cNvPicPr>
+            <a:picLocks noChangeAspect="1"/>
+          </p:cNvPicPr>
+          <p:nvPr/>
+        </p:nvPicPr>
+        <p:blipFill>
+          <a:blip r:embed="rId9" cstate="email">
+            <a:extLst>
+              <a:ext uri="{28A0092B-C50C-407E-A947-70E740481C1C}">
+                <a14:useLocalDpi xmlns:a14="http://schemas.microsoft.com/office/drawing/2010/main"/>
+              </a:ext>
+            </a:extLst>
+          </a:blip>
+          <a:stretch>
+            <a:fillRect/>
+          </a:stretch>
+        </p:blipFill>
+        <p:spPr>
+          <a:xfrm>
+            <a:off x="5047094" y="481521"/>
+            <a:ext cx="1048906" cy="2114550"/>
+          </a:xfrm>
+          <a:prstGeom prst="rect">
+            <a:avLst/>
+          </a:prstGeom>
+        </p:spPr>
+      </p:pic>
+      <p:pic>
+        <p:nvPicPr>
+          <p:cNvPr id="3" name="Picture 2">
+            <a:extLst>
+              <a:ext uri="{FF2B5EF4-FFF2-40B4-BE49-F238E27FC236}">
+                <a16:creationId xmlns:a16="http://schemas.microsoft.com/office/drawing/2014/main" id="{5A0C9971-3D23-2ACF-6DFA-76DB2680CA78}"/>
+              </a:ext>
+            </a:extLst>
+          </p:cNvPr>
+          <p:cNvPicPr>
+            <a:picLocks noChangeAspect="1"/>
+          </p:cNvPicPr>
+          <p:nvPr/>
+        </p:nvPicPr>
+        <p:blipFill>
+          <a:blip r:embed="rId10" cstate="email">
+            <a:extLst>
+              <a:ext uri="{28A0092B-C50C-407E-A947-70E740481C1C}">
+                <a14:useLocalDpi xmlns:a14="http://schemas.microsoft.com/office/drawing/2010/main"/>
+              </a:ext>
+            </a:extLst>
+          </a:blip>
+          <a:stretch>
+            <a:fillRect/>
+          </a:stretch>
+        </p:blipFill>
+        <p:spPr>
+          <a:xfrm>
+            <a:off x="4070540" y="2771970"/>
+            <a:ext cx="1550921" cy="1360714"/>
+          </a:xfrm>
+          <a:prstGeom prst="rect">
+            <a:avLst/>
+          </a:prstGeom>
+        </p:spPr>
+      </p:pic>
+      <p:sp>
+        <p:nvSpPr>
+          <p:cNvPr id="6" name="TextBox 5">
+            <a:extLst>
+              <a:ext uri="{FF2B5EF4-FFF2-40B4-BE49-F238E27FC236}">
+                <a16:creationId xmlns:a16="http://schemas.microsoft.com/office/drawing/2014/main" id="{6F7AF2AB-A3DC-D436-FFBE-25B6B5DE0EF5}"/>
+              </a:ext>
+            </a:extLst>
+          </p:cNvPr>
+          <p:cNvSpPr txBox="1"/>
+          <p:nvPr/>
+        </p:nvSpPr>
+        <p:spPr>
+          <a:xfrm>
+            <a:off x="4530366" y="4250992"/>
+            <a:ext cx="2282182" cy="661720"/>
+          </a:xfrm>
+          <a:prstGeom prst="rect">
+            <a:avLst/>
+          </a:prstGeom>
+          <a:solidFill>
+            <a:schemeClr val="accent4">
+              <a:lumMod val="20000"/>
+              <a:lumOff val="80000"/>
+            </a:schemeClr>
+          </a:solidFill>
+        </p:spPr>
+        <p:txBody>
+          <a:bodyPr wrap="square">
+            <a:spAutoFit/>
+          </a:bodyPr>
+          <a:lstStyle/>
+          <a:p>
+            <a:r>
+              <a:rPr lang="en-US" sz="1400" dirty="0"/>
+              <a:t>8"x3T Weed Eater Blade </a:t>
+            </a:r>
+            <a:br>
+              <a:rPr lang="en-US" sz="1400" dirty="0"/>
+            </a:br>
+            <a:r>
+              <a:rPr lang="en-US" sz="1400" dirty="0"/>
+              <a:t>1" or 20mm arbor</a:t>
+            </a:r>
+          </a:p>
+          <a:p>
+            <a:r>
+              <a:rPr lang="en-US" sz="900" dirty="0">
+                <a:solidFill>
+                  <a:srgbClr val="374151"/>
+                </a:solidFill>
+                <a:latin typeface="Calibri" panose="020F0502020204030204" pitchFamily="34" charset="0"/>
+                <a:cs typeface="Calibri" panose="020F0502020204030204" pitchFamily="34" charset="0"/>
+                <a:hlinkClick r:id="rId11"/>
+              </a:rPr>
+              <a:t>https://</a:t>
+            </a:r>
+            <a:r>
+              <a:rPr lang="en-US" sz="900" dirty="0" err="1">
+                <a:solidFill>
+                  <a:srgbClr val="374151"/>
+                </a:solidFill>
+                <a:latin typeface="Calibri" panose="020F0502020204030204" pitchFamily="34" charset="0"/>
+                <a:cs typeface="Calibri" panose="020F0502020204030204" pitchFamily="34" charset="0"/>
+                <a:hlinkClick r:id="rId11"/>
+              </a:rPr>
+              <a:t>www.amazon.com</a:t>
+            </a:r>
+            <a:r>
+              <a:rPr lang="en-US" sz="900" dirty="0">
+                <a:solidFill>
+                  <a:srgbClr val="374151"/>
+                </a:solidFill>
+                <a:latin typeface="Calibri" panose="020F0502020204030204" pitchFamily="34" charset="0"/>
+                <a:cs typeface="Calibri" panose="020F0502020204030204" pitchFamily="34" charset="0"/>
+                <a:hlinkClick r:id="rId11"/>
+              </a:rPr>
+              <a:t>/</a:t>
+            </a:r>
+            <a:r>
+              <a:rPr lang="en-US" sz="900" dirty="0" err="1">
+                <a:solidFill>
+                  <a:srgbClr val="374151"/>
+                </a:solidFill>
+                <a:latin typeface="Calibri" panose="020F0502020204030204" pitchFamily="34" charset="0"/>
+                <a:cs typeface="Calibri" panose="020F0502020204030204" pitchFamily="34" charset="0"/>
+                <a:hlinkClick r:id="rId11"/>
+              </a:rPr>
+              <a:t>dp</a:t>
+            </a:r>
+            <a:r>
+              <a:rPr lang="en-US" sz="900" dirty="0">
+                <a:solidFill>
+                  <a:srgbClr val="374151"/>
+                </a:solidFill>
+                <a:latin typeface="Calibri" panose="020F0502020204030204" pitchFamily="34" charset="0"/>
+                <a:cs typeface="Calibri" panose="020F0502020204030204" pitchFamily="34" charset="0"/>
+                <a:hlinkClick r:id="rId11"/>
+              </a:rPr>
+              <a:t>/B07VV3659P</a:t>
+            </a:r>
+            <a:endParaRPr lang="en-US" sz="900" dirty="0"/>
+          </a:p>
+        </p:txBody>
+      </p:sp>
+      <p:pic>
+        <p:nvPicPr>
+          <p:cNvPr id="1028" name="Picture 4" descr="Forester 3 Tooth Brush Cutter Blade - 8&quot; Diameter x 1&quot; or 20mm Arbor - Picture 1 of 1">
+            <a:extLst>
+              <a:ext uri="{FF2B5EF4-FFF2-40B4-BE49-F238E27FC236}">
+                <a16:creationId xmlns:a16="http://schemas.microsoft.com/office/drawing/2014/main" id="{6D1B01F5-B2FA-B25D-7694-CD7F3DC77C77}"/>
+              </a:ext>
+            </a:extLst>
+          </p:cNvPr>
+          <p:cNvPicPr>
+            <a:picLocks noChangeAspect="1" noChangeArrowheads="1"/>
+          </p:cNvPicPr>
+          <p:nvPr/>
+        </p:nvPicPr>
+        <p:blipFill rotWithShape="1">
+          <a:blip r:embed="rId12" cstate="email">
+            <a:extLst>
+              <a:ext uri="{28A0092B-C50C-407E-A947-70E740481C1C}">
+                <a14:useLocalDpi xmlns:a14="http://schemas.microsoft.com/office/drawing/2010/main"/>
+              </a:ext>
+            </a:extLst>
+          </a:blip>
+          <a:srcRect/>
+          <a:stretch>
+            <a:fillRect/>
+          </a:stretch>
+        </p:blipFill>
+        <p:spPr bwMode="auto">
+          <a:xfrm>
+            <a:off x="5671457" y="2758337"/>
+            <a:ext cx="1550921" cy="1387979"/>
+          </a:xfrm>
+          <a:prstGeom prst="rect">
+            <a:avLst/>
+          </a:prstGeom>
+          <a:noFill/>
+          <a:extLst>
+            <a:ext uri="{909E8E84-426E-40DD-AFC4-6F175D3DCCD1}">
+              <a14:hiddenFill xmlns:a14="http://schemas.microsoft.com/office/drawing/2010/main">
+                <a:solidFill>
+                  <a:srgbClr val="FFFFFF"/>
+                </a:solidFill>
+              </a14:hiddenFill>
+            </a:ext>
+          </a:extLst>
+        </p:spPr>
+      </p:pic>
     </p:spTree>
     <p:extLst>
       <p:ext uri="{BB962C8B-B14F-4D97-AF65-F5344CB8AC3E}">

--- a/misc/scythe_grass_trimmer.pptx
+++ b/misc/scythe_grass_trimmer.pptx
@@ -5,11 +5,12 @@
     <p:sldMasterId id="2147483648" r:id="rId1"/>
   </p:sldMasterIdLst>
   <p:notesMasterIdLst>
-    <p:notesMasterId r:id="rId4"/>
+    <p:notesMasterId r:id="rId5"/>
   </p:notesMasterIdLst>
   <p:sldIdLst>
-    <p:sldId id="276" r:id="rId2"/>
-    <p:sldId id="277" r:id="rId3"/>
+    <p:sldId id="277" r:id="rId2"/>
+    <p:sldId id="276" r:id="rId3"/>
+    <p:sldId id="278" r:id="rId4"/>
   </p:sldIdLst>
   <p:sldSz cx="12192000" cy="6858000"/>
   <p:notesSz cx="6858000" cy="9144000"/>
@@ -197,7 +198,7 @@
           </a:lstStyle>
           <a:p>
             <a:fld id="{E8E811CC-6321-BF4C-AA9B-846696B364A6}" type="datetimeFigureOut">
-              <a:t>6/13/25</a:t>
+              <a:t>6/20/25</a:t>
             </a:fld>
             <a:endParaRPr lang="en-US"/>
           </a:p>
@@ -609,7 +610,7 @@
           <a:lstStyle/>
           <a:p>
             <a:fld id="{16286276-9013-2A43-82D1-BA4685C95117}" type="datetimeFigureOut">
-              <a:t>6/13/25</a:t>
+              <a:t>6/20/25</a:t>
             </a:fld>
             <a:endParaRPr lang="en-US"/>
           </a:p>
@@ -805,7 +806,7 @@
           <a:lstStyle/>
           <a:p>
             <a:fld id="{16286276-9013-2A43-82D1-BA4685C95117}" type="datetimeFigureOut">
-              <a:t>6/13/25</a:t>
+              <a:t>6/20/25</a:t>
             </a:fld>
             <a:endParaRPr lang="en-US"/>
           </a:p>
@@ -1011,7 +1012,7 @@
           <a:lstStyle/>
           <a:p>
             <a:fld id="{16286276-9013-2A43-82D1-BA4685C95117}" type="datetimeFigureOut">
-              <a:t>6/13/25</a:t>
+              <a:t>6/20/25</a:t>
             </a:fld>
             <a:endParaRPr lang="en-US"/>
           </a:p>
@@ -1207,7 +1208,7 @@
           <a:lstStyle/>
           <a:p>
             <a:fld id="{16286276-9013-2A43-82D1-BA4685C95117}" type="datetimeFigureOut">
-              <a:t>6/13/25</a:t>
+              <a:t>6/20/25</a:t>
             </a:fld>
             <a:endParaRPr lang="en-US"/>
           </a:p>
@@ -1480,7 +1481,7 @@
           <a:lstStyle/>
           <a:p>
             <a:fld id="{16286276-9013-2A43-82D1-BA4685C95117}" type="datetimeFigureOut">
-              <a:t>6/13/25</a:t>
+              <a:t>6/20/25</a:t>
             </a:fld>
             <a:endParaRPr lang="en-US"/>
           </a:p>
@@ -1743,7 +1744,7 @@
           <a:lstStyle/>
           <a:p>
             <a:fld id="{16286276-9013-2A43-82D1-BA4685C95117}" type="datetimeFigureOut">
-              <a:t>6/13/25</a:t>
+              <a:t>6/20/25</a:t>
             </a:fld>
             <a:endParaRPr lang="en-US"/>
           </a:p>
@@ -2153,7 +2154,7 @@
           <a:lstStyle/>
           <a:p>
             <a:fld id="{16286276-9013-2A43-82D1-BA4685C95117}" type="datetimeFigureOut">
-              <a:t>6/13/25</a:t>
+              <a:t>6/20/25</a:t>
             </a:fld>
             <a:endParaRPr lang="en-US"/>
           </a:p>
@@ -2292,7 +2293,7 @@
           <a:lstStyle/>
           <a:p>
             <a:fld id="{16286276-9013-2A43-82D1-BA4685C95117}" type="datetimeFigureOut">
-              <a:t>6/13/25</a:t>
+              <a:t>6/20/25</a:t>
             </a:fld>
             <a:endParaRPr lang="en-US"/>
           </a:p>
@@ -2403,7 +2404,7 @@
           <a:lstStyle/>
           <a:p>
             <a:fld id="{16286276-9013-2A43-82D1-BA4685C95117}" type="datetimeFigureOut">
-              <a:t>6/13/25</a:t>
+              <a:t>6/20/25</a:t>
             </a:fld>
             <a:endParaRPr lang="en-US"/>
           </a:p>
@@ -2712,7 +2713,7 @@
           <a:lstStyle/>
           <a:p>
             <a:fld id="{16286276-9013-2A43-82D1-BA4685C95117}" type="datetimeFigureOut">
-              <a:t>6/13/25</a:t>
+              <a:t>6/20/25</a:t>
             </a:fld>
             <a:endParaRPr lang="en-US"/>
           </a:p>
@@ -2998,7 +2999,7 @@
           <a:lstStyle/>
           <a:p>
             <a:fld id="{16286276-9013-2A43-82D1-BA4685C95117}" type="datetimeFigureOut">
-              <a:t>6/13/25</a:t>
+              <a:t>6/20/25</a:t>
             </a:fld>
             <a:endParaRPr lang="en-US"/>
           </a:p>
@@ -3237,7 +3238,7 @@
           </a:lstStyle>
           <a:p>
             <a:fld id="{16286276-9013-2A43-82D1-BA4685C95117}" type="datetimeFigureOut">
-              <a:t>6/13/25</a:t>
+              <a:t>6/20/25</a:t>
             </a:fld>
             <a:endParaRPr lang="en-US"/>
           </a:p>
@@ -3667,8 +3668,8 @@
         </p:nvSpPr>
         <p:spPr>
           <a:xfrm>
-            <a:off x="4246180" y="228596"/>
-            <a:ext cx="2701158" cy="523220"/>
+            <a:off x="0" y="-41699"/>
+            <a:ext cx="5921829" cy="523220"/>
           </a:xfrm>
           <a:prstGeom prst="rect">
             <a:avLst/>
@@ -3681,29 +3682,23 @@
           </a:bodyPr>
           <a:lstStyle/>
           <a:p>
-            <a:pPr algn="ctr"/>
             <a:r>
               <a:rPr lang="en-US" sz="2800" b="1" dirty="0">
                 <a:solidFill>
                   <a:srgbClr val="0070C0"/>
                 </a:solidFill>
               </a:rPr>
-              <a:t>Scythe</a:t>
-            </a:r>
-            <a:endParaRPr lang="en-US" sz="2400" dirty="0">
-              <a:solidFill>
-                <a:srgbClr val="0070C0"/>
-              </a:solidFill>
-            </a:endParaRPr>
-          </a:p>
-        </p:txBody>
-      </p:sp>
-      <p:sp>
-        <p:nvSpPr>
-          <p:cNvPr id="6" name="TextBox 5">
-            <a:extLst>
-              <a:ext uri="{FF2B5EF4-FFF2-40B4-BE49-F238E27FC236}">
-                <a16:creationId xmlns:a16="http://schemas.microsoft.com/office/drawing/2014/main" id="{19E42BE5-9FF8-2592-9AD8-A6BEC70899CE}"/>
+              <a:t>DEWALT Cordless String Trimmers </a:t>
+            </a:r>
+          </a:p>
+        </p:txBody>
+      </p:sp>
+      <p:sp>
+        <p:nvSpPr>
+          <p:cNvPr id="13" name="TextBox 12">
+            <a:extLst>
+              <a:ext uri="{FF2B5EF4-FFF2-40B4-BE49-F238E27FC236}">
+                <a16:creationId xmlns:a16="http://schemas.microsoft.com/office/drawing/2014/main" id="{D0960EDE-800B-A678-3584-E2A590869989}"/>
               </a:ext>
             </a:extLst>
           </p:cNvPr>
@@ -3712,8 +3707,8 @@
         </p:nvSpPr>
         <p:spPr>
           <a:xfrm>
-            <a:off x="358008" y="5297663"/>
-            <a:ext cx="7163521" cy="954107"/>
+            <a:off x="244967" y="1086914"/>
+            <a:ext cx="4501204" cy="954107"/>
           </a:xfrm>
           <a:prstGeom prst="rect">
             <a:avLst/>
@@ -3736,205 +3731,604 @@
           </a:bodyPr>
           <a:lstStyle/>
           <a:p>
-            <a:pPr marL="285750" marR="0" indent="-285750">
-              <a:spcBef>
-                <a:spcPts val="0"/>
-              </a:spcBef>
-              <a:spcAft>
-                <a:spcPts val="0"/>
-              </a:spcAft>
-              <a:buFont typeface="Arial" panose="020B0604020202020204" pitchFamily="34" charset="0"/>
-              <a:buChar char="•"/>
-            </a:pPr>
-            <a:r>
-              <a:rPr lang="en-US" sz="1400" kern="100" dirty="0">
-                <a:effectLst/>
+            <a:r>
+              <a:rPr lang="en-US" sz="1400" dirty="0">
+                <a:solidFill>
+                  <a:srgbClr val="374151"/>
+                </a:solidFill>
                 <a:latin typeface="Calibri" panose="020F0502020204030204" pitchFamily="34" charset="0"/>
-                <a:ea typeface="Calibri" panose="020F0502020204030204" pitchFamily="34" charset="0"/>
                 <a:cs typeface="Calibri" panose="020F0502020204030204" pitchFamily="34" charset="0"/>
-                <a:hlinkClick r:id="rId2"/>
+              </a:rPr>
+              <a:t>Dewalt trimmers:</a:t>
+            </a:r>
+          </a:p>
+          <a:p>
+            <a:r>
+              <a:rPr lang="en-US" sz="1400" dirty="0">
+                <a:solidFill>
+                  <a:srgbClr val="374151"/>
+                </a:solidFill>
+                <a:latin typeface="Calibri" panose="020F0502020204030204" pitchFamily="34" charset="0"/>
+                <a:cs typeface="Calibri" panose="020F0502020204030204" pitchFamily="34" charset="0"/>
+              </a:rPr>
+              <a:t>DCST920 – 20V string trimmer</a:t>
+            </a:r>
+          </a:p>
+          <a:p>
+            <a:r>
+              <a:rPr lang="en-US" sz="1400" dirty="0">
+                <a:solidFill>
+                  <a:srgbClr val="374151"/>
+                </a:solidFill>
+                <a:latin typeface="Calibri" panose="020F0502020204030204" pitchFamily="34" charset="0"/>
+                <a:cs typeface="Calibri" panose="020F0502020204030204" pitchFamily="34" charset="0"/>
+              </a:rPr>
+              <a:t>DCST972B string cutter  $289.00 (can change attachments)</a:t>
+            </a:r>
+          </a:p>
+          <a:p>
+            <a:r>
+              <a:rPr lang="en-US" sz="1400" dirty="0">
+                <a:solidFill>
+                  <a:srgbClr val="374151"/>
+                </a:solidFill>
+                <a:latin typeface="Calibri" panose="020F0502020204030204" pitchFamily="34" charset="0"/>
+                <a:cs typeface="Calibri" panose="020F0502020204030204" pitchFamily="34" charset="0"/>
+              </a:rPr>
+              <a:t>DWOAS5BC  8" brush cutter attachment  $91.12</a:t>
+            </a:r>
+          </a:p>
+        </p:txBody>
+      </p:sp>
+      <p:pic>
+        <p:nvPicPr>
+          <p:cNvPr id="4" name="Picture 3">
+            <a:extLst>
+              <a:ext uri="{FF2B5EF4-FFF2-40B4-BE49-F238E27FC236}">
+                <a16:creationId xmlns:a16="http://schemas.microsoft.com/office/drawing/2014/main" id="{6A813839-8C95-DB64-3C0A-E6725131164E}"/>
+              </a:ext>
+            </a:extLst>
+          </p:cNvPr>
+          <p:cNvPicPr>
+            <a:picLocks noChangeAspect="1"/>
+          </p:cNvPicPr>
+          <p:nvPr/>
+        </p:nvPicPr>
+        <p:blipFill>
+          <a:blip r:embed="rId2" cstate="email">
+            <a:extLst>
+              <a:ext uri="{28A0092B-C50C-407E-A947-70E740481C1C}">
+                <a14:useLocalDpi xmlns:a14="http://schemas.microsoft.com/office/drawing/2010/main"/>
+              </a:ext>
+            </a:extLst>
+          </a:blip>
+          <a:stretch>
+            <a:fillRect/>
+          </a:stretch>
+        </p:blipFill>
+        <p:spPr>
+          <a:xfrm>
+            <a:off x="6505903" y="228596"/>
+            <a:ext cx="5321300" cy="1092200"/>
+          </a:xfrm>
+          <a:prstGeom prst="rect">
+            <a:avLst/>
+          </a:prstGeom>
+        </p:spPr>
+      </p:pic>
+      <p:pic>
+        <p:nvPicPr>
+          <p:cNvPr id="5" name="Picture 4">
+            <a:extLst>
+              <a:ext uri="{FF2B5EF4-FFF2-40B4-BE49-F238E27FC236}">
+                <a16:creationId xmlns:a16="http://schemas.microsoft.com/office/drawing/2014/main" id="{E3EEC59E-B190-EE5D-6AA1-44B010008D65}"/>
+              </a:ext>
+            </a:extLst>
+          </p:cNvPr>
+          <p:cNvPicPr>
+            <a:picLocks noChangeAspect="1"/>
+          </p:cNvPicPr>
+          <p:nvPr/>
+        </p:nvPicPr>
+        <p:blipFill>
+          <a:blip r:embed="rId3" cstate="email">
+            <a:extLst>
+              <a:ext uri="{28A0092B-C50C-407E-A947-70E740481C1C}">
+                <a14:useLocalDpi xmlns:a14="http://schemas.microsoft.com/office/drawing/2010/main"/>
+              </a:ext>
+            </a:extLst>
+          </a:blip>
+          <a:stretch>
+            <a:fillRect/>
+          </a:stretch>
+        </p:blipFill>
+        <p:spPr>
+          <a:xfrm>
+            <a:off x="9965559" y="1319399"/>
+            <a:ext cx="1868433" cy="1990888"/>
+          </a:xfrm>
+          <a:prstGeom prst="rect">
+            <a:avLst/>
+          </a:prstGeom>
+        </p:spPr>
+      </p:pic>
+      <p:pic>
+        <p:nvPicPr>
+          <p:cNvPr id="7" name="Picture 6">
+            <a:extLst>
+              <a:ext uri="{FF2B5EF4-FFF2-40B4-BE49-F238E27FC236}">
+                <a16:creationId xmlns:a16="http://schemas.microsoft.com/office/drawing/2014/main" id="{F9EAA588-D235-54B9-0F8B-93FA26DB13F7}"/>
+              </a:ext>
+            </a:extLst>
+          </p:cNvPr>
+          <p:cNvPicPr>
+            <a:picLocks noChangeAspect="1"/>
+          </p:cNvPicPr>
+          <p:nvPr/>
+        </p:nvPicPr>
+        <p:blipFill>
+          <a:blip r:embed="rId4" cstate="email">
+            <a:extLst>
+              <a:ext uri="{28A0092B-C50C-407E-A947-70E740481C1C}">
+                <a14:useLocalDpi xmlns:a14="http://schemas.microsoft.com/office/drawing/2010/main"/>
+              </a:ext>
+            </a:extLst>
+          </a:blip>
+          <a:stretch>
+            <a:fillRect/>
+          </a:stretch>
+        </p:blipFill>
+        <p:spPr>
+          <a:xfrm>
+            <a:off x="358008" y="3310287"/>
+            <a:ext cx="2152650" cy="2114550"/>
+          </a:xfrm>
+          <a:prstGeom prst="rect">
+            <a:avLst/>
+          </a:prstGeom>
+        </p:spPr>
+      </p:pic>
+      <p:sp>
+        <p:nvSpPr>
+          <p:cNvPr id="9" name="TextBox 8">
+            <a:extLst>
+              <a:ext uri="{FF2B5EF4-FFF2-40B4-BE49-F238E27FC236}">
+                <a16:creationId xmlns:a16="http://schemas.microsoft.com/office/drawing/2014/main" id="{B6B3525B-DB2D-38B6-F206-9487CCF7CFDD}"/>
+              </a:ext>
+            </a:extLst>
+          </p:cNvPr>
+          <p:cNvSpPr txBox="1"/>
+          <p:nvPr/>
+        </p:nvSpPr>
+        <p:spPr>
+          <a:xfrm>
+            <a:off x="162345" y="5424837"/>
+            <a:ext cx="3495255" cy="954107"/>
+          </a:xfrm>
+          <a:prstGeom prst="rect">
+            <a:avLst/>
+          </a:prstGeom>
+          <a:noFill/>
+        </p:spPr>
+        <p:txBody>
+          <a:bodyPr wrap="square">
+            <a:spAutoFit/>
+          </a:bodyPr>
+          <a:lstStyle/>
+          <a:p>
+            <a:r>
+              <a:rPr lang="en-US" sz="1400" dirty="0" err="1"/>
+              <a:t>NeJesZoe</a:t>
+            </a:r>
+            <a:r>
+              <a:rPr lang="en-US" sz="1400" dirty="0"/>
+              <a:t> 9" x 36Teeth </a:t>
+            </a:r>
+          </a:p>
+          <a:p>
+            <a:r>
+              <a:rPr lang="en-US" sz="1400" dirty="0"/>
+              <a:t>Carbide Tip Blades Trimmer Cutter </a:t>
+            </a:r>
+          </a:p>
+          <a:p>
+            <a:r>
+              <a:rPr lang="en-US" sz="1400" dirty="0"/>
+              <a:t>Brush Weed Eater</a:t>
+            </a:r>
+          </a:p>
+          <a:p>
+            <a:r>
+              <a:rPr lang="en-US" sz="1400" dirty="0">
+                <a:hlinkClick r:id="rId5"/>
               </a:rPr>
               <a:t>https://</a:t>
             </a:r>
             <a:r>
-              <a:rPr lang="en-US" sz="1400" kern="100" dirty="0" err="1">
-                <a:effectLst/>
+              <a:rPr lang="en-US" sz="1400" dirty="0" err="1">
+                <a:hlinkClick r:id="rId5"/>
+              </a:rPr>
+              <a:t>www.amazon.com</a:t>
+            </a:r>
+            <a:r>
+              <a:rPr lang="en-US" sz="1400" dirty="0">
+                <a:hlinkClick r:id="rId5"/>
+              </a:rPr>
+              <a:t>/</a:t>
+            </a:r>
+            <a:r>
+              <a:rPr lang="en-US" sz="1400" dirty="0" err="1">
+                <a:hlinkClick r:id="rId5"/>
+              </a:rPr>
+              <a:t>dp</a:t>
+            </a:r>
+            <a:r>
+              <a:rPr lang="en-US" sz="1400" dirty="0">
+                <a:hlinkClick r:id="rId5"/>
+              </a:rPr>
+              <a:t>/B0BK6RRMZX</a:t>
+            </a:r>
+            <a:endParaRPr lang="en-US" sz="1400" dirty="0"/>
+          </a:p>
+        </p:txBody>
+      </p:sp>
+      <p:pic>
+        <p:nvPicPr>
+          <p:cNvPr id="11" name="Picture 10">
+            <a:extLst>
+              <a:ext uri="{FF2B5EF4-FFF2-40B4-BE49-F238E27FC236}">
+                <a16:creationId xmlns:a16="http://schemas.microsoft.com/office/drawing/2014/main" id="{69F42EF3-7CB4-D0CF-63CB-E6259B78922E}"/>
+              </a:ext>
+            </a:extLst>
+          </p:cNvPr>
+          <p:cNvPicPr>
+            <a:picLocks noChangeAspect="1"/>
+          </p:cNvPicPr>
+          <p:nvPr/>
+        </p:nvPicPr>
+        <p:blipFill>
+          <a:blip r:embed="rId6" cstate="email">
+            <a:extLst>
+              <a:ext uri="{28A0092B-C50C-407E-A947-70E740481C1C}">
+                <a14:useLocalDpi xmlns:a14="http://schemas.microsoft.com/office/drawing/2010/main"/>
+              </a:ext>
+            </a:extLst>
+          </a:blip>
+          <a:stretch>
+            <a:fillRect/>
+          </a:stretch>
+        </p:blipFill>
+        <p:spPr>
+          <a:xfrm>
+            <a:off x="8759183" y="4161680"/>
+            <a:ext cx="1181100" cy="1193800"/>
+          </a:xfrm>
+          <a:prstGeom prst="rect">
+            <a:avLst/>
+          </a:prstGeom>
+        </p:spPr>
+      </p:pic>
+      <p:sp>
+        <p:nvSpPr>
+          <p:cNvPr id="14" name="TextBox 13">
+            <a:extLst>
+              <a:ext uri="{FF2B5EF4-FFF2-40B4-BE49-F238E27FC236}">
+                <a16:creationId xmlns:a16="http://schemas.microsoft.com/office/drawing/2014/main" id="{CD213664-F45E-5000-E1E2-51F69677B8F1}"/>
+              </a:ext>
+            </a:extLst>
+          </p:cNvPr>
+          <p:cNvSpPr txBox="1"/>
+          <p:nvPr/>
+        </p:nvSpPr>
+        <p:spPr>
+          <a:xfrm>
+            <a:off x="9166553" y="5571030"/>
+            <a:ext cx="2767598" cy="661720"/>
+          </a:xfrm>
+          <a:prstGeom prst="rect">
+            <a:avLst/>
+          </a:prstGeom>
+          <a:solidFill>
+            <a:schemeClr val="accent4">
+              <a:lumMod val="20000"/>
+              <a:lumOff val="80000"/>
+            </a:schemeClr>
+          </a:solidFill>
+        </p:spPr>
+        <p:txBody>
+          <a:bodyPr wrap="square">
+            <a:spAutoFit/>
+          </a:bodyPr>
+          <a:lstStyle/>
+          <a:p>
+            <a:r>
+              <a:rPr lang="en-US" sz="1400" dirty="0"/>
+              <a:t>Weed Warrior Brush Cutter </a:t>
+            </a:r>
+          </a:p>
+          <a:p>
+            <a:r>
+              <a:rPr lang="en-US" sz="1400" dirty="0"/>
+              <a:t>Weed Trimmer Blade Head</a:t>
+            </a:r>
+            <a:br>
+              <a:rPr lang="en-US" sz="900" dirty="0">
+                <a:solidFill>
+                  <a:srgbClr val="374151"/>
+                </a:solidFill>
                 <a:latin typeface="Calibri" panose="020F0502020204030204" pitchFamily="34" charset="0"/>
-                <a:ea typeface="Calibri" panose="020F0502020204030204" pitchFamily="34" charset="0"/>
                 <a:cs typeface="Calibri" panose="020F0502020204030204" pitchFamily="34" charset="0"/>
-                <a:hlinkClick r:id="rId2"/>
               </a:rPr>
-              <a:t>scythesupply.com</a:t>
-            </a:r>
-            <a:endParaRPr lang="en-US" sz="1400" kern="100" dirty="0">
-              <a:effectLst/>
-              <a:latin typeface="Calibri" panose="020F0502020204030204" pitchFamily="34" charset="0"/>
-              <a:ea typeface="Calibri" panose="020F0502020204030204" pitchFamily="34" charset="0"/>
-              <a:cs typeface="Calibri" panose="020F0502020204030204" pitchFamily="34" charset="0"/>
-            </a:endParaRPr>
-          </a:p>
-          <a:p>
-            <a:pPr marL="285750" marR="0" indent="-285750">
-              <a:spcBef>
-                <a:spcPts val="0"/>
-              </a:spcBef>
-              <a:spcAft>
-                <a:spcPts val="0"/>
-              </a:spcAft>
-              <a:buFont typeface="Arial" panose="020B0604020202020204" pitchFamily="34" charset="0"/>
-              <a:buChar char="•"/>
-            </a:pPr>
-            <a:r>
-              <a:rPr lang="en-US" sz="1400" kern="100" dirty="0">
-                <a:effectLst/>
+            </a:br>
+            <a:r>
+              <a:rPr lang="en-US" sz="900" dirty="0">
+                <a:solidFill>
+                  <a:srgbClr val="374151"/>
+                </a:solidFill>
                 <a:latin typeface="Calibri" panose="020F0502020204030204" pitchFamily="34" charset="0"/>
-                <a:ea typeface="Calibri" panose="020F0502020204030204" pitchFamily="34" charset="0"/>
                 <a:cs typeface="Calibri" panose="020F0502020204030204" pitchFamily="34" charset="0"/>
-                <a:hlinkClick r:id="rId3"/>
+                <a:hlinkClick r:id="rId7"/>
+              </a:rPr>
+              <a:t>https://www.amazon.com/gp/product/B0045PS4RW</a:t>
+            </a:r>
+            <a:endParaRPr lang="en-US" sz="900" dirty="0"/>
+          </a:p>
+        </p:txBody>
+      </p:sp>
+      <p:pic>
+        <p:nvPicPr>
+          <p:cNvPr id="15" name="Picture 14">
+            <a:extLst>
+              <a:ext uri="{FF2B5EF4-FFF2-40B4-BE49-F238E27FC236}">
+                <a16:creationId xmlns:a16="http://schemas.microsoft.com/office/drawing/2014/main" id="{3065DDA5-C38B-C31C-555D-DABA223EE515}"/>
+              </a:ext>
+            </a:extLst>
+          </p:cNvPr>
+          <p:cNvPicPr>
+            <a:picLocks noChangeAspect="1"/>
+          </p:cNvPicPr>
+          <p:nvPr/>
+        </p:nvPicPr>
+        <p:blipFill>
+          <a:blip r:embed="rId8" cstate="email">
+            <a:extLst>
+              <a:ext uri="{28A0092B-C50C-407E-A947-70E740481C1C}">
+                <a14:useLocalDpi xmlns:a14="http://schemas.microsoft.com/office/drawing/2010/main"/>
+              </a:ext>
+            </a:extLst>
+          </a:blip>
+          <a:stretch>
+            <a:fillRect/>
+          </a:stretch>
+        </p:blipFill>
+        <p:spPr>
+          <a:xfrm>
+            <a:off x="10062106" y="4112557"/>
+            <a:ext cx="1771885" cy="1134358"/>
+          </a:xfrm>
+          <a:prstGeom prst="rect">
+            <a:avLst/>
+          </a:prstGeom>
+        </p:spPr>
+      </p:pic>
+      <p:sp>
+        <p:nvSpPr>
+          <p:cNvPr id="16" name="TextBox 15">
+            <a:extLst>
+              <a:ext uri="{FF2B5EF4-FFF2-40B4-BE49-F238E27FC236}">
+                <a16:creationId xmlns:a16="http://schemas.microsoft.com/office/drawing/2014/main" id="{FB5F3861-D19D-21E1-6BC0-A220DF513903}"/>
+              </a:ext>
+            </a:extLst>
+          </p:cNvPr>
+          <p:cNvSpPr txBox="1"/>
+          <p:nvPr/>
+        </p:nvSpPr>
+        <p:spPr>
+          <a:xfrm>
+            <a:off x="6737131" y="43930"/>
+            <a:ext cx="882869" cy="369332"/>
+          </a:xfrm>
+          <a:prstGeom prst="rect">
+            <a:avLst/>
+          </a:prstGeom>
+          <a:noFill/>
+        </p:spPr>
+        <p:txBody>
+          <a:bodyPr wrap="square" rtlCol="0">
+            <a:spAutoFit/>
+          </a:bodyPr>
+          <a:lstStyle/>
+          <a:p>
+            <a:r>
+              <a:rPr lang="en-US" dirty="0"/>
+              <a:t>Motor</a:t>
+            </a:r>
+          </a:p>
+        </p:txBody>
+      </p:sp>
+      <p:pic>
+        <p:nvPicPr>
+          <p:cNvPr id="2" name="Picture 1">
+            <a:extLst>
+              <a:ext uri="{FF2B5EF4-FFF2-40B4-BE49-F238E27FC236}">
+                <a16:creationId xmlns:a16="http://schemas.microsoft.com/office/drawing/2014/main" id="{648733F7-BD2B-23F7-9769-9A354B144646}"/>
+              </a:ext>
+            </a:extLst>
+          </p:cNvPr>
+          <p:cNvPicPr>
+            <a:picLocks noChangeAspect="1"/>
+          </p:cNvPicPr>
+          <p:nvPr/>
+        </p:nvPicPr>
+        <p:blipFill>
+          <a:blip r:embed="rId9" cstate="email">
+            <a:extLst>
+              <a:ext uri="{28A0092B-C50C-407E-A947-70E740481C1C}">
+                <a14:useLocalDpi xmlns:a14="http://schemas.microsoft.com/office/drawing/2010/main"/>
+              </a:ext>
+            </a:extLst>
+          </a:blip>
+          <a:stretch>
+            <a:fillRect/>
+          </a:stretch>
+        </p:blipFill>
+        <p:spPr>
+          <a:xfrm>
+            <a:off x="5047094" y="481521"/>
+            <a:ext cx="1048906" cy="2114550"/>
+          </a:xfrm>
+          <a:prstGeom prst="rect">
+            <a:avLst/>
+          </a:prstGeom>
+        </p:spPr>
+      </p:pic>
+      <p:pic>
+        <p:nvPicPr>
+          <p:cNvPr id="3" name="Picture 2">
+            <a:extLst>
+              <a:ext uri="{FF2B5EF4-FFF2-40B4-BE49-F238E27FC236}">
+                <a16:creationId xmlns:a16="http://schemas.microsoft.com/office/drawing/2014/main" id="{5A0C9971-3D23-2ACF-6DFA-76DB2680CA78}"/>
+              </a:ext>
+            </a:extLst>
+          </p:cNvPr>
+          <p:cNvPicPr>
+            <a:picLocks noChangeAspect="1"/>
+          </p:cNvPicPr>
+          <p:nvPr/>
+        </p:nvPicPr>
+        <p:blipFill>
+          <a:blip r:embed="rId10" cstate="email">
+            <a:extLst>
+              <a:ext uri="{28A0092B-C50C-407E-A947-70E740481C1C}">
+                <a14:useLocalDpi xmlns:a14="http://schemas.microsoft.com/office/drawing/2010/main"/>
+              </a:ext>
+            </a:extLst>
+          </a:blip>
+          <a:stretch>
+            <a:fillRect/>
+          </a:stretch>
+        </p:blipFill>
+        <p:spPr>
+          <a:xfrm>
+            <a:off x="4070540" y="2771970"/>
+            <a:ext cx="1550921" cy="1360714"/>
+          </a:xfrm>
+          <a:prstGeom prst="rect">
+            <a:avLst/>
+          </a:prstGeom>
+        </p:spPr>
+      </p:pic>
+      <p:sp>
+        <p:nvSpPr>
+          <p:cNvPr id="6" name="TextBox 5">
+            <a:extLst>
+              <a:ext uri="{FF2B5EF4-FFF2-40B4-BE49-F238E27FC236}">
+                <a16:creationId xmlns:a16="http://schemas.microsoft.com/office/drawing/2014/main" id="{6F7AF2AB-A3DC-D436-FFBE-25B6B5DE0EF5}"/>
+              </a:ext>
+            </a:extLst>
+          </p:cNvPr>
+          <p:cNvSpPr txBox="1"/>
+          <p:nvPr/>
+        </p:nvSpPr>
+        <p:spPr>
+          <a:xfrm>
+            <a:off x="4530366" y="4250992"/>
+            <a:ext cx="2282182" cy="661720"/>
+          </a:xfrm>
+          <a:prstGeom prst="rect">
+            <a:avLst/>
+          </a:prstGeom>
+          <a:solidFill>
+            <a:schemeClr val="accent4">
+              <a:lumMod val="20000"/>
+              <a:lumOff val="80000"/>
+            </a:schemeClr>
+          </a:solidFill>
+        </p:spPr>
+        <p:txBody>
+          <a:bodyPr wrap="square">
+            <a:spAutoFit/>
+          </a:bodyPr>
+          <a:lstStyle/>
+          <a:p>
+            <a:r>
+              <a:rPr lang="en-US" sz="1400" dirty="0"/>
+              <a:t>8"x3T Weed Eater Blade </a:t>
+            </a:r>
+            <a:br>
+              <a:rPr lang="en-US" sz="1400" dirty="0"/>
+            </a:br>
+            <a:r>
+              <a:rPr lang="en-US" sz="1400" dirty="0"/>
+              <a:t>1" or 20mm arbor</a:t>
+            </a:r>
+          </a:p>
+          <a:p>
+            <a:r>
+              <a:rPr lang="en-US" sz="900" dirty="0">
+                <a:solidFill>
+                  <a:srgbClr val="374151"/>
+                </a:solidFill>
+                <a:latin typeface="Calibri" panose="020F0502020204030204" pitchFamily="34" charset="0"/>
+                <a:cs typeface="Calibri" panose="020F0502020204030204" pitchFamily="34" charset="0"/>
+                <a:hlinkClick r:id="rId11"/>
               </a:rPr>
               <a:t>https://</a:t>
             </a:r>
             <a:r>
-              <a:rPr lang="en-US" sz="1400" kern="100" dirty="0" err="1">
-                <a:effectLst/>
+              <a:rPr lang="en-US" sz="900" dirty="0" err="1">
+                <a:solidFill>
+                  <a:srgbClr val="374151"/>
+                </a:solidFill>
                 <a:latin typeface="Calibri" panose="020F0502020204030204" pitchFamily="34" charset="0"/>
-                <a:ea typeface="Calibri" panose="020F0502020204030204" pitchFamily="34" charset="0"/>
                 <a:cs typeface="Calibri" panose="020F0502020204030204" pitchFamily="34" charset="0"/>
-                <a:hlinkClick r:id="rId3"/>
+                <a:hlinkClick r:id="rId11"/>
               </a:rPr>
-              <a:t>byxco.com</a:t>
-            </a:r>
-            <a:r>
-              <a:rPr lang="en-US" sz="1400" kern="100" dirty="0">
-                <a:effectLst/>
+              <a:t>www.amazon.com</a:t>
+            </a:r>
+            <a:r>
+              <a:rPr lang="en-US" sz="900" dirty="0">
+                <a:solidFill>
+                  <a:srgbClr val="374151"/>
+                </a:solidFill>
                 <a:latin typeface="Calibri" panose="020F0502020204030204" pitchFamily="34" charset="0"/>
-                <a:ea typeface="Calibri" panose="020F0502020204030204" pitchFamily="34" charset="0"/>
                 <a:cs typeface="Calibri" panose="020F0502020204030204" pitchFamily="34" charset="0"/>
-                <a:hlinkClick r:id="rId3"/>
-              </a:rPr>
-              <a:t>/collections/scythes-accessories</a:t>
-            </a:r>
-            <a:endParaRPr lang="en-US" sz="1400" kern="100" dirty="0">
-              <a:effectLst/>
-              <a:latin typeface="Calibri" panose="020F0502020204030204" pitchFamily="34" charset="0"/>
-              <a:ea typeface="Calibri" panose="020F0502020204030204" pitchFamily="34" charset="0"/>
-              <a:cs typeface="Calibri" panose="020F0502020204030204" pitchFamily="34" charset="0"/>
-            </a:endParaRPr>
-          </a:p>
-          <a:p>
-            <a:pPr marL="285750" marR="0" indent="-285750">
-              <a:spcBef>
-                <a:spcPts val="0"/>
-              </a:spcBef>
-              <a:spcAft>
-                <a:spcPts val="0"/>
-              </a:spcAft>
-              <a:buFont typeface="Arial" panose="020B0604020202020204" pitchFamily="34" charset="0"/>
-              <a:buChar char="•"/>
-            </a:pPr>
-            <a:r>
-              <a:rPr lang="en-US" sz="1400" kern="100" dirty="0" err="1">
-                <a:effectLst/>
-                <a:latin typeface="Calibri" panose="020F0502020204030204" pitchFamily="34" charset="0"/>
-                <a:ea typeface="Calibri" panose="020F0502020204030204" pitchFamily="34" charset="0"/>
-                <a:cs typeface="Calibri" panose="020F0502020204030204" pitchFamily="34" charset="0"/>
-              </a:rPr>
-              <a:t>ebay</a:t>
-            </a:r>
-            <a:endParaRPr lang="en-US" sz="1400" kern="100" dirty="0">
-              <a:latin typeface="Calibri" panose="020F0502020204030204" pitchFamily="34" charset="0"/>
-              <a:ea typeface="Calibri" panose="020F0502020204030204" pitchFamily="34" charset="0"/>
-              <a:cs typeface="Calibri" panose="020F0502020204030204" pitchFamily="34" charset="0"/>
-            </a:endParaRPr>
-          </a:p>
-          <a:p>
-            <a:pPr marL="285750" marR="0" indent="-285750">
-              <a:spcBef>
-                <a:spcPts val="0"/>
-              </a:spcBef>
-              <a:spcAft>
-                <a:spcPts val="0"/>
-              </a:spcAft>
-              <a:buFont typeface="Arial" panose="020B0604020202020204" pitchFamily="34" charset="0"/>
-              <a:buChar char="•"/>
-            </a:pPr>
-            <a:r>
-              <a:rPr lang="en-US" sz="1400" kern="100" dirty="0">
-                <a:effectLst/>
-                <a:latin typeface="Calibri" panose="020F0502020204030204" pitchFamily="34" charset="0"/>
-                <a:ea typeface="Calibri" panose="020F0502020204030204" pitchFamily="34" charset="0"/>
-                <a:cs typeface="Calibri" panose="020F0502020204030204" pitchFamily="34" charset="0"/>
-              </a:rPr>
-              <a:t>Good video: </a:t>
-            </a:r>
-            <a:r>
-              <a:rPr lang="en-US" sz="1400" kern="100" dirty="0">
-                <a:effectLst/>
-                <a:latin typeface="Calibri" panose="020F0502020204030204" pitchFamily="34" charset="0"/>
-                <a:ea typeface="Calibri" panose="020F0502020204030204" pitchFamily="34" charset="0"/>
-                <a:cs typeface="Calibri" panose="020F0502020204030204" pitchFamily="34" charset="0"/>
-                <a:hlinkClick r:id="rId4"/>
-              </a:rPr>
-              <a:t>https://</a:t>
-            </a:r>
-            <a:r>
-              <a:rPr lang="en-US" sz="1400" kern="100" dirty="0" err="1">
-                <a:effectLst/>
-                <a:latin typeface="Calibri" panose="020F0502020204030204" pitchFamily="34" charset="0"/>
-                <a:ea typeface="Calibri" panose="020F0502020204030204" pitchFamily="34" charset="0"/>
-                <a:cs typeface="Calibri" panose="020F0502020204030204" pitchFamily="34" charset="0"/>
-                <a:hlinkClick r:id="rId4"/>
-              </a:rPr>
-              <a:t>www.youtube.com</a:t>
-            </a:r>
-            <a:r>
-              <a:rPr lang="en-US" sz="1400" kern="100" dirty="0">
-                <a:effectLst/>
-                <a:latin typeface="Calibri" panose="020F0502020204030204" pitchFamily="34" charset="0"/>
-                <a:ea typeface="Calibri" panose="020F0502020204030204" pitchFamily="34" charset="0"/>
-                <a:cs typeface="Calibri" panose="020F0502020204030204" pitchFamily="34" charset="0"/>
-                <a:hlinkClick r:id="rId4"/>
+                <a:hlinkClick r:id="rId11"/>
               </a:rPr>
               <a:t>/</a:t>
             </a:r>
             <a:r>
-              <a:rPr lang="en-US" sz="1400" kern="100" dirty="0" err="1">
-                <a:effectLst/>
+              <a:rPr lang="en-US" sz="900" dirty="0" err="1">
+                <a:solidFill>
+                  <a:srgbClr val="374151"/>
+                </a:solidFill>
                 <a:latin typeface="Calibri" panose="020F0502020204030204" pitchFamily="34" charset="0"/>
-                <a:ea typeface="Calibri" panose="020F0502020204030204" pitchFamily="34" charset="0"/>
                 <a:cs typeface="Calibri" panose="020F0502020204030204" pitchFamily="34" charset="0"/>
-                <a:hlinkClick r:id="rId4"/>
+                <a:hlinkClick r:id="rId11"/>
               </a:rPr>
-              <a:t>watch?v</a:t>
-            </a:r>
-            <a:r>
-              <a:rPr lang="en-US" sz="1400" kern="100" dirty="0">
-                <a:effectLst/>
+              <a:t>dp</a:t>
+            </a:r>
+            <a:r>
+              <a:rPr lang="en-US" sz="900" dirty="0">
+                <a:solidFill>
+                  <a:srgbClr val="374151"/>
+                </a:solidFill>
                 <a:latin typeface="Calibri" panose="020F0502020204030204" pitchFamily="34" charset="0"/>
-                <a:ea typeface="Calibri" panose="020F0502020204030204" pitchFamily="34" charset="0"/>
                 <a:cs typeface="Calibri" panose="020F0502020204030204" pitchFamily="34" charset="0"/>
-                <a:hlinkClick r:id="rId4"/>
+                <a:hlinkClick r:id="rId11"/>
               </a:rPr>
-              <a:t>=VVn1kiZnldQ</a:t>
-            </a:r>
-            <a:r>
-              <a:rPr lang="en-US" sz="1400" kern="100" dirty="0">
-                <a:effectLst/>
-                <a:latin typeface="Calibri" panose="020F0502020204030204" pitchFamily="34" charset="0"/>
-                <a:ea typeface="Calibri" panose="020F0502020204030204" pitchFamily="34" charset="0"/>
-                <a:cs typeface="Calibri" panose="020F0502020204030204" pitchFamily="34" charset="0"/>
-              </a:rPr>
-              <a:t> </a:t>
-            </a:r>
+              <a:t>/B07VV3659P</a:t>
+            </a:r>
+            <a:endParaRPr lang="en-US" sz="900" dirty="0"/>
           </a:p>
         </p:txBody>
       </p:sp>
       <p:pic>
         <p:nvPicPr>
-          <p:cNvPr id="1026" name="Picture 2" descr="European Scythe parts, labeled">
-            <a:extLst>
-              <a:ext uri="{FF2B5EF4-FFF2-40B4-BE49-F238E27FC236}">
-                <a16:creationId xmlns:a16="http://schemas.microsoft.com/office/drawing/2014/main" id="{76C5AE63-CDDD-C618-40D6-E5C96A1A8E35}"/>
+          <p:cNvPr id="1028" name="Picture 4" descr="Forester 3 Tooth Brush Cutter Blade - 8&quot; Diameter x 1&quot; or 20mm Arbor - Picture 1 of 1">
+            <a:extLst>
+              <a:ext uri="{FF2B5EF4-FFF2-40B4-BE49-F238E27FC236}">
+                <a16:creationId xmlns:a16="http://schemas.microsoft.com/office/drawing/2014/main" id="{6D1B01F5-B2FA-B25D-7694-CD7F3DC77C77}"/>
               </a:ext>
             </a:extLst>
           </p:cNvPr>
@@ -3943,8 +4337,8 @@
           </p:cNvPicPr>
           <p:nvPr/>
         </p:nvPicPr>
-        <p:blipFill>
-          <a:blip r:embed="rId5">
+        <p:blipFill rotWithShape="1">
+          <a:blip r:embed="rId12" cstate="email">
             <a:extLst>
               <a:ext uri="{28A0092B-C50C-407E-A947-70E740481C1C}">
                 <a14:useLocalDpi xmlns:a14="http://schemas.microsoft.com/office/drawing/2010/main"/>
@@ -3958,8 +4352,8 @@
         </p:blipFill>
         <p:spPr bwMode="auto">
           <a:xfrm>
-            <a:off x="8095720" y="343061"/>
-            <a:ext cx="3492500" cy="5041900"/>
+            <a:off x="5671457" y="2758337"/>
+            <a:ext cx="1550921" cy="1387979"/>
           </a:xfrm>
           <a:prstGeom prst="rect">
             <a:avLst/>
@@ -3976,121 +4370,10 @@
           </a:extLst>
         </p:spPr>
       </p:pic>
-      <p:sp>
-        <p:nvSpPr>
-          <p:cNvPr id="13" name="TextBox 12">
-            <a:extLst>
-              <a:ext uri="{FF2B5EF4-FFF2-40B4-BE49-F238E27FC236}">
-                <a16:creationId xmlns:a16="http://schemas.microsoft.com/office/drawing/2014/main" id="{D0960EDE-800B-A678-3584-E2A590869989}"/>
-              </a:ext>
-            </a:extLst>
-          </p:cNvPr>
-          <p:cNvSpPr txBox="1"/>
-          <p:nvPr/>
-        </p:nvSpPr>
-        <p:spPr>
-          <a:xfrm>
-            <a:off x="358008" y="1709849"/>
-            <a:ext cx="7342040" cy="1384995"/>
-          </a:xfrm>
-          <a:prstGeom prst="rect">
-            <a:avLst/>
-          </a:prstGeom>
-          <a:solidFill>
-            <a:schemeClr val="accent4">
-              <a:lumMod val="20000"/>
-              <a:lumOff val="80000"/>
-            </a:schemeClr>
-          </a:solidFill>
-          <a:ln>
-            <a:solidFill>
-              <a:srgbClr val="FF0000"/>
-            </a:solidFill>
-          </a:ln>
-        </p:spPr>
-        <p:txBody>
-          <a:bodyPr wrap="square">
-            <a:spAutoFit/>
-          </a:bodyPr>
-          <a:lstStyle/>
-          <a:p>
-            <a:pPr marL="285750" indent="-285750">
-              <a:buFont typeface="Arial" panose="020B0604020202020204" pitchFamily="34" charset="0"/>
-              <a:buChar char="•"/>
-            </a:pPr>
-            <a:r>
-              <a:rPr lang="en-US" sz="1400" b="0" i="0" dirty="0">
-                <a:solidFill>
-                  <a:srgbClr val="374151"/>
-                </a:solidFill>
-                <a:effectLst/>
-                <a:latin typeface="Calibri" panose="020F0502020204030204" pitchFamily="34" charset="0"/>
-                <a:cs typeface="Calibri" panose="020F0502020204030204" pitchFamily="34" charset="0"/>
-              </a:rPr>
-              <a:t>A scythe is a hand tool used for mowing grass or reaping crops. </a:t>
-            </a:r>
-          </a:p>
-          <a:p>
-            <a:pPr marL="285750" indent="-285750">
-              <a:buFont typeface="Arial" panose="020B0604020202020204" pitchFamily="34" charset="0"/>
-              <a:buChar char="•"/>
-            </a:pPr>
-            <a:r>
-              <a:rPr lang="en-US" sz="1400" b="0" i="0" dirty="0">
-                <a:solidFill>
-                  <a:srgbClr val="374151"/>
-                </a:solidFill>
-                <a:effectLst/>
-                <a:latin typeface="Calibri" panose="020F0502020204030204" pitchFamily="34" charset="0"/>
-                <a:cs typeface="Calibri" panose="020F0502020204030204" pitchFamily="34" charset="0"/>
-              </a:rPr>
-              <a:t>It has a long, curved blade attached at an angle to a long handle. </a:t>
-            </a:r>
-          </a:p>
-          <a:p>
-            <a:pPr marL="285750" indent="-285750">
-              <a:buFont typeface="Arial" panose="020B0604020202020204" pitchFamily="34" charset="0"/>
-              <a:buChar char="•"/>
-            </a:pPr>
-            <a:r>
-              <a:rPr lang="en-US" sz="1400" b="0" i="0" dirty="0">
-                <a:solidFill>
-                  <a:srgbClr val="374151"/>
-                </a:solidFill>
-                <a:effectLst/>
-                <a:latin typeface="Calibri" panose="020F0502020204030204" pitchFamily="34" charset="0"/>
-                <a:cs typeface="Calibri" panose="020F0502020204030204" pitchFamily="34" charset="0"/>
-              </a:rPr>
-              <a:t>This traditional agricultural tool has been in use across the world for centuries, but it's less common today due to the advent of mechanized farming equipment. </a:t>
-            </a:r>
-          </a:p>
-          <a:p>
-            <a:pPr marL="285750" indent="-285750">
-              <a:buFont typeface="Arial" panose="020B0604020202020204" pitchFamily="34" charset="0"/>
-              <a:buChar char="•"/>
-            </a:pPr>
-            <a:r>
-              <a:rPr lang="en-US" sz="1400" b="0" i="0" dirty="0">
-                <a:solidFill>
-                  <a:srgbClr val="374151"/>
-                </a:solidFill>
-                <a:effectLst/>
-                <a:latin typeface="Calibri" panose="020F0502020204030204" pitchFamily="34" charset="0"/>
-                <a:cs typeface="Calibri" panose="020F0502020204030204" pitchFamily="34" charset="0"/>
-              </a:rPr>
-              <a:t>Despite its lesser usage in agriculture today, the scythe is still used in some regions and contexts where small-scale, sustainable farming practices are valued.</a:t>
-            </a:r>
-            <a:endParaRPr lang="en-US" sz="1400" dirty="0">
-              <a:latin typeface="Calibri" panose="020F0502020204030204" pitchFamily="34" charset="0"/>
-              <a:cs typeface="Calibri" panose="020F0502020204030204" pitchFamily="34" charset="0"/>
-            </a:endParaRPr>
-          </a:p>
-        </p:txBody>
-      </p:sp>
     </p:spTree>
     <p:extLst>
       <p:ext uri="{BB962C8B-B14F-4D97-AF65-F5344CB8AC3E}">
-        <p14:creationId xmlns:p14="http://schemas.microsoft.com/office/powerpoint/2010/main" val="4152477358"/>
+        <p14:creationId xmlns:p14="http://schemas.microsoft.com/office/powerpoint/2010/main" val="229392706"/>
       </p:ext>
     </p:extLst>
   </p:cSld>
@@ -4131,8 +4414,8 @@
         </p:nvSpPr>
         <p:spPr>
           <a:xfrm>
-            <a:off x="0" y="-41699"/>
-            <a:ext cx="5921829" cy="523220"/>
+            <a:off x="-119745" y="0"/>
+            <a:ext cx="1447049" cy="523220"/>
           </a:xfrm>
           <a:prstGeom prst="rect">
             <a:avLst/>
@@ -4145,23 +4428,29 @@
           </a:bodyPr>
           <a:lstStyle/>
           <a:p>
+            <a:pPr algn="ctr"/>
             <a:r>
               <a:rPr lang="en-US" sz="2800" b="1" dirty="0">
                 <a:solidFill>
                   <a:srgbClr val="0070C0"/>
                 </a:solidFill>
               </a:rPr>
-              <a:t>DEWALT Cordless String Trimmers </a:t>
-            </a:r>
-          </a:p>
-        </p:txBody>
-      </p:sp>
-      <p:sp>
-        <p:nvSpPr>
-          <p:cNvPr id="13" name="TextBox 12">
-            <a:extLst>
-              <a:ext uri="{FF2B5EF4-FFF2-40B4-BE49-F238E27FC236}">
-                <a16:creationId xmlns:a16="http://schemas.microsoft.com/office/drawing/2014/main" id="{D0960EDE-800B-A678-3584-E2A590869989}"/>
+              <a:t>Scythe</a:t>
+            </a:r>
+            <a:endParaRPr lang="en-US" sz="2400" dirty="0">
+              <a:solidFill>
+                <a:srgbClr val="0070C0"/>
+              </a:solidFill>
+            </a:endParaRPr>
+          </a:p>
+        </p:txBody>
+      </p:sp>
+      <p:sp>
+        <p:nvSpPr>
+          <p:cNvPr id="6" name="TextBox 5">
+            <a:extLst>
+              <a:ext uri="{FF2B5EF4-FFF2-40B4-BE49-F238E27FC236}">
+                <a16:creationId xmlns:a16="http://schemas.microsoft.com/office/drawing/2014/main" id="{19E42BE5-9FF8-2592-9AD8-A6BEC70899CE}"/>
               </a:ext>
             </a:extLst>
           </p:cNvPr>
@@ -4170,8 +4459,8 @@
         </p:nvSpPr>
         <p:spPr>
           <a:xfrm>
-            <a:off x="244967" y="1086914"/>
-            <a:ext cx="4501204" cy="954107"/>
+            <a:off x="81518" y="1224068"/>
+            <a:ext cx="3936422" cy="784830"/>
           </a:xfrm>
           <a:prstGeom prst="rect">
             <a:avLst/>
@@ -4194,604 +4483,187 @@
           </a:bodyPr>
           <a:lstStyle/>
           <a:p>
-            <a:r>
-              <a:rPr lang="en-US" sz="1400" dirty="0">
-                <a:solidFill>
-                  <a:srgbClr val="374151"/>
-                </a:solidFill>
+            <a:pPr marL="119063" marR="0" indent="-119063">
+              <a:spcBef>
+                <a:spcPts val="0"/>
+              </a:spcBef>
+              <a:spcAft>
+                <a:spcPts val="0"/>
+              </a:spcAft>
+              <a:buFont typeface="Arial" panose="020B0604020202020204" pitchFamily="34" charset="0"/>
+              <a:buChar char="•"/>
+            </a:pPr>
+            <a:r>
+              <a:rPr lang="en-US" sz="900" kern="100" dirty="0">
+                <a:effectLst/>
                 <a:latin typeface="Calibri" panose="020F0502020204030204" pitchFamily="34" charset="0"/>
+                <a:ea typeface="Calibri" panose="020F0502020204030204" pitchFamily="34" charset="0"/>
+                <a:cs typeface="Calibri" panose="020F0502020204030204" pitchFamily="34" charset="0"/>
+                <a:hlinkClick r:id="rId2"/>
+              </a:rPr>
+              <a:t>https://scythesupply.com</a:t>
+            </a:r>
+            <a:endParaRPr lang="en-US" sz="900" kern="100" dirty="0">
+              <a:effectLst/>
+              <a:latin typeface="Calibri" panose="020F0502020204030204" pitchFamily="34" charset="0"/>
+              <a:ea typeface="Calibri" panose="020F0502020204030204" pitchFamily="34" charset="0"/>
+              <a:cs typeface="Calibri" panose="020F0502020204030204" pitchFamily="34" charset="0"/>
+            </a:endParaRPr>
+          </a:p>
+          <a:p>
+            <a:pPr marL="119063" marR="0" indent="-119063">
+              <a:spcBef>
+                <a:spcPts val="0"/>
+              </a:spcBef>
+              <a:spcAft>
+                <a:spcPts val="0"/>
+              </a:spcAft>
+              <a:buFont typeface="Arial" panose="020B0604020202020204" pitchFamily="34" charset="0"/>
+              <a:buChar char="•"/>
+            </a:pPr>
+            <a:r>
+              <a:rPr lang="en-US" sz="900" kern="100" dirty="0">
+                <a:effectLst/>
+                <a:latin typeface="Calibri" panose="020F0502020204030204" pitchFamily="34" charset="0"/>
+                <a:ea typeface="Calibri" panose="020F0502020204030204" pitchFamily="34" charset="0"/>
+                <a:cs typeface="Calibri" panose="020F0502020204030204" pitchFamily="34" charset="0"/>
+                <a:hlinkClick r:id="rId3"/>
+              </a:rPr>
+              <a:t>https://byxco.com/collections/scythes-accessories</a:t>
+            </a:r>
+            <a:endParaRPr lang="en-US" sz="900" kern="100" dirty="0">
+              <a:effectLst/>
+              <a:latin typeface="Calibri" panose="020F0502020204030204" pitchFamily="34" charset="0"/>
+              <a:ea typeface="Calibri" panose="020F0502020204030204" pitchFamily="34" charset="0"/>
+              <a:cs typeface="Calibri" panose="020F0502020204030204" pitchFamily="34" charset="0"/>
+            </a:endParaRPr>
+          </a:p>
+          <a:p>
+            <a:pPr marL="119063" marR="0" indent="-119063">
+              <a:spcBef>
+                <a:spcPts val="0"/>
+              </a:spcBef>
+              <a:spcAft>
+                <a:spcPts val="0"/>
+              </a:spcAft>
+              <a:buFont typeface="Arial" panose="020B0604020202020204" pitchFamily="34" charset="0"/>
+              <a:buChar char="•"/>
+            </a:pPr>
+            <a:r>
+              <a:rPr lang="en-US" sz="900" kern="100" dirty="0">
+                <a:effectLst/>
+                <a:latin typeface="Calibri" panose="020F0502020204030204" pitchFamily="34" charset="0"/>
+                <a:ea typeface="Calibri" panose="020F0502020204030204" pitchFamily="34" charset="0"/>
                 <a:cs typeface="Calibri" panose="020F0502020204030204" pitchFamily="34" charset="0"/>
               </a:rPr>
-              <a:t>Dewalt trimmers:</a:t>
-            </a:r>
-          </a:p>
-          <a:p>
-            <a:r>
-              <a:rPr lang="en-US" sz="1400" dirty="0">
-                <a:solidFill>
-                  <a:srgbClr val="374151"/>
-                </a:solidFill>
+              <a:t>Good video: </a:t>
+            </a:r>
+            <a:r>
+              <a:rPr lang="en-US" sz="900" kern="100" dirty="0">
+                <a:effectLst/>
                 <a:latin typeface="Calibri" panose="020F0502020204030204" pitchFamily="34" charset="0"/>
+                <a:ea typeface="Calibri" panose="020F0502020204030204" pitchFamily="34" charset="0"/>
                 <a:cs typeface="Calibri" panose="020F0502020204030204" pitchFamily="34" charset="0"/>
+                <a:hlinkClick r:id="rId4"/>
               </a:rPr>
-              <a:t>DCST920 – 20V string trimmer</a:t>
-            </a:r>
-          </a:p>
-          <a:p>
-            <a:r>
-              <a:rPr lang="en-US" sz="1400" dirty="0">
-                <a:solidFill>
-                  <a:srgbClr val="374151"/>
-                </a:solidFill>
+              <a:t>https://www.youtube.com/watch?v=VVn1kiZnldQ</a:t>
+            </a:r>
+            <a:endParaRPr lang="en-US" sz="900" kern="100" dirty="0">
+              <a:effectLst/>
+              <a:latin typeface="Calibri" panose="020F0502020204030204" pitchFamily="34" charset="0"/>
+              <a:ea typeface="Calibri" panose="020F0502020204030204" pitchFamily="34" charset="0"/>
+              <a:cs typeface="Calibri" panose="020F0502020204030204" pitchFamily="34" charset="0"/>
+            </a:endParaRPr>
+          </a:p>
+          <a:p>
+            <a:pPr marL="119063" marR="0" indent="-119063">
+              <a:spcBef>
+                <a:spcPts val="0"/>
+              </a:spcBef>
+              <a:spcAft>
+                <a:spcPts val="0"/>
+              </a:spcAft>
+              <a:buFont typeface="Arial" panose="020B0604020202020204" pitchFamily="34" charset="0"/>
+              <a:buChar char="•"/>
+            </a:pPr>
+            <a:r>
+              <a:rPr lang="en-US" sz="900" kern="100" dirty="0">
                 <a:latin typeface="Calibri" panose="020F0502020204030204" pitchFamily="34" charset="0"/>
+                <a:ea typeface="Calibri" panose="020F0502020204030204" pitchFamily="34" charset="0"/>
                 <a:cs typeface="Calibri" panose="020F0502020204030204" pitchFamily="34" charset="0"/>
-              </a:rPr>
-              <a:t>DCST972B string cutter  $289.00 (can change attachments)</a:t>
-            </a:r>
-          </a:p>
-          <a:p>
-            <a:r>
-              <a:rPr lang="en-US" sz="1400" dirty="0">
-                <a:solidFill>
-                  <a:srgbClr val="374151"/>
-                </a:solidFill>
-                <a:latin typeface="Calibri" panose="020F0502020204030204" pitchFamily="34" charset="0"/>
-                <a:cs typeface="Calibri" panose="020F0502020204030204" pitchFamily="34" charset="0"/>
-              </a:rPr>
-              <a:t>DWOAS5BC  8" brush cutter attachment  $91.12</a:t>
-            </a:r>
-          </a:p>
-        </p:txBody>
-      </p:sp>
-      <p:pic>
-        <p:nvPicPr>
-          <p:cNvPr id="4" name="Picture 3">
-            <a:extLst>
-              <a:ext uri="{FF2B5EF4-FFF2-40B4-BE49-F238E27FC236}">
-                <a16:creationId xmlns:a16="http://schemas.microsoft.com/office/drawing/2014/main" id="{6A813839-8C95-DB64-3C0A-E6725131164E}"/>
-              </a:ext>
-            </a:extLst>
-          </p:cNvPr>
-          <p:cNvPicPr>
-            <a:picLocks noChangeAspect="1"/>
-          </p:cNvPicPr>
-          <p:nvPr/>
-        </p:nvPicPr>
-        <p:blipFill>
-          <a:blip r:embed="rId2" cstate="email">
-            <a:extLst>
-              <a:ext uri="{28A0092B-C50C-407E-A947-70E740481C1C}">
-                <a14:useLocalDpi xmlns:a14="http://schemas.microsoft.com/office/drawing/2010/main"/>
-              </a:ext>
-            </a:extLst>
-          </a:blip>
-          <a:stretch>
-            <a:fillRect/>
-          </a:stretch>
-        </p:blipFill>
-        <p:spPr>
-          <a:xfrm>
-            <a:off x="6505903" y="228596"/>
-            <a:ext cx="5321300" cy="1092200"/>
-          </a:xfrm>
-          <a:prstGeom prst="rect">
-            <a:avLst/>
-          </a:prstGeom>
-        </p:spPr>
-      </p:pic>
-      <p:pic>
-        <p:nvPicPr>
-          <p:cNvPr id="5" name="Picture 4">
-            <a:extLst>
-              <a:ext uri="{FF2B5EF4-FFF2-40B4-BE49-F238E27FC236}">
-                <a16:creationId xmlns:a16="http://schemas.microsoft.com/office/drawing/2014/main" id="{E3EEC59E-B190-EE5D-6AA1-44B010008D65}"/>
-              </a:ext>
-            </a:extLst>
-          </p:cNvPr>
-          <p:cNvPicPr>
-            <a:picLocks noChangeAspect="1"/>
-          </p:cNvPicPr>
-          <p:nvPr/>
-        </p:nvPicPr>
-        <p:blipFill>
-          <a:blip r:embed="rId3" cstate="email">
-            <a:extLst>
-              <a:ext uri="{28A0092B-C50C-407E-A947-70E740481C1C}">
-                <a14:useLocalDpi xmlns:a14="http://schemas.microsoft.com/office/drawing/2010/main"/>
-              </a:ext>
-            </a:extLst>
-          </a:blip>
-          <a:stretch>
-            <a:fillRect/>
-          </a:stretch>
-        </p:blipFill>
-        <p:spPr>
-          <a:xfrm>
-            <a:off x="9965559" y="1319399"/>
-            <a:ext cx="1868433" cy="1990888"/>
-          </a:xfrm>
-          <a:prstGeom prst="rect">
-            <a:avLst/>
-          </a:prstGeom>
-        </p:spPr>
-      </p:pic>
-      <p:pic>
-        <p:nvPicPr>
-          <p:cNvPr id="7" name="Picture 6">
-            <a:extLst>
-              <a:ext uri="{FF2B5EF4-FFF2-40B4-BE49-F238E27FC236}">
-                <a16:creationId xmlns:a16="http://schemas.microsoft.com/office/drawing/2014/main" id="{F9EAA588-D235-54B9-0F8B-93FA26DB13F7}"/>
-              </a:ext>
-            </a:extLst>
-          </p:cNvPr>
-          <p:cNvPicPr>
-            <a:picLocks noChangeAspect="1"/>
-          </p:cNvPicPr>
-          <p:nvPr/>
-        </p:nvPicPr>
-        <p:blipFill>
-          <a:blip r:embed="rId4" cstate="email">
-            <a:extLst>
-              <a:ext uri="{28A0092B-C50C-407E-A947-70E740481C1C}">
-                <a14:useLocalDpi xmlns:a14="http://schemas.microsoft.com/office/drawing/2010/main"/>
-              </a:ext>
-            </a:extLst>
-          </a:blip>
-          <a:stretch>
-            <a:fillRect/>
-          </a:stretch>
-        </p:blipFill>
-        <p:spPr>
-          <a:xfrm>
-            <a:off x="358008" y="3310287"/>
-            <a:ext cx="2152650" cy="2114550"/>
-          </a:xfrm>
-          <a:prstGeom prst="rect">
-            <a:avLst/>
-          </a:prstGeom>
-        </p:spPr>
-      </p:pic>
-      <p:sp>
-        <p:nvSpPr>
-          <p:cNvPr id="9" name="TextBox 8">
-            <a:extLst>
-              <a:ext uri="{FF2B5EF4-FFF2-40B4-BE49-F238E27FC236}">
-                <a16:creationId xmlns:a16="http://schemas.microsoft.com/office/drawing/2014/main" id="{B6B3525B-DB2D-38B6-F206-9487CCF7CFDD}"/>
-              </a:ext>
-            </a:extLst>
-          </p:cNvPr>
-          <p:cNvSpPr txBox="1"/>
-          <p:nvPr/>
-        </p:nvSpPr>
-        <p:spPr>
-          <a:xfrm>
-            <a:off x="162345" y="5424837"/>
-            <a:ext cx="3495255" cy="954107"/>
-          </a:xfrm>
-          <a:prstGeom prst="rect">
-            <a:avLst/>
-          </a:prstGeom>
-          <a:noFill/>
-        </p:spPr>
-        <p:txBody>
-          <a:bodyPr wrap="square">
-            <a:spAutoFit/>
-          </a:bodyPr>
-          <a:lstStyle/>
-          <a:p>
-            <a:r>
-              <a:rPr lang="en-US" sz="1400" dirty="0" err="1"/>
-              <a:t>NeJesZoe</a:t>
-            </a:r>
-            <a:r>
-              <a:rPr lang="en-US" sz="1400" dirty="0"/>
-              <a:t> 9" x 36Teeth </a:t>
-            </a:r>
-          </a:p>
-          <a:p>
-            <a:r>
-              <a:rPr lang="en-US" sz="1400" dirty="0"/>
-              <a:t>Carbide Tip Blades Trimmer Cutter </a:t>
-            </a:r>
-          </a:p>
-          <a:p>
-            <a:r>
-              <a:rPr lang="en-US" sz="1400" dirty="0"/>
-              <a:t>Brush Weed Eater</a:t>
-            </a:r>
-          </a:p>
-          <a:p>
-            <a:r>
-              <a:rPr lang="en-US" sz="1400" dirty="0">
                 <a:hlinkClick r:id="rId5"/>
               </a:rPr>
               <a:t>https://</a:t>
             </a:r>
             <a:r>
-              <a:rPr lang="en-US" sz="1400" dirty="0" err="1">
+              <a:rPr lang="en-US" sz="900" kern="100" dirty="0" err="1">
+                <a:latin typeface="Calibri" panose="020F0502020204030204" pitchFamily="34" charset="0"/>
+                <a:ea typeface="Calibri" panose="020F0502020204030204" pitchFamily="34" charset="0"/>
+                <a:cs typeface="Calibri" panose="020F0502020204030204" pitchFamily="34" charset="0"/>
                 <a:hlinkClick r:id="rId5"/>
               </a:rPr>
-              <a:t>www.amazon.com</a:t>
-            </a:r>
-            <a:r>
-              <a:rPr lang="en-US" sz="1400" dirty="0">
+              <a:t>northwestmeadowscapes.com</a:t>
+            </a:r>
+            <a:r>
+              <a:rPr lang="en-US" sz="900" kern="100" dirty="0">
+                <a:latin typeface="Calibri" panose="020F0502020204030204" pitchFamily="34" charset="0"/>
+                <a:ea typeface="Calibri" panose="020F0502020204030204" pitchFamily="34" charset="0"/>
+                <a:cs typeface="Calibri" panose="020F0502020204030204" pitchFamily="34" charset="0"/>
                 <a:hlinkClick r:id="rId5"/>
               </a:rPr>
-              <a:t>/</a:t>
-            </a:r>
-            <a:r>
-              <a:rPr lang="en-US" sz="1400" dirty="0" err="1">
+              <a:t>/products/farm-and-homestead-scythe-</a:t>
+            </a:r>
+            <a:r>
+              <a:rPr lang="en-US" sz="900" kern="100" dirty="0" err="1">
+                <a:latin typeface="Calibri" panose="020F0502020204030204" pitchFamily="34" charset="0"/>
+                <a:ea typeface="Calibri" panose="020F0502020204030204" pitchFamily="34" charset="0"/>
+                <a:cs typeface="Calibri" panose="020F0502020204030204" pitchFamily="34" charset="0"/>
                 <a:hlinkClick r:id="rId5"/>
               </a:rPr>
-              <a:t>dp</a:t>
-            </a:r>
-            <a:r>
-              <a:rPr lang="en-US" sz="1400" dirty="0">
+              <a:t>schrockenfux</a:t>
+            </a:r>
+            <a:r>
+              <a:rPr lang="en-US" sz="900" kern="100" dirty="0">
+                <a:latin typeface="Calibri" panose="020F0502020204030204" pitchFamily="34" charset="0"/>
+                <a:ea typeface="Calibri" panose="020F0502020204030204" pitchFamily="34" charset="0"/>
+                <a:cs typeface="Calibri" panose="020F0502020204030204" pitchFamily="34" charset="0"/>
                 <a:hlinkClick r:id="rId5"/>
               </a:rPr>
-              <a:t>/B0BK6RRMZX</a:t>
-            </a:r>
-            <a:endParaRPr lang="en-US" sz="1400" dirty="0"/>
+              <a:t>-</a:t>
+            </a:r>
+            <a:r>
+              <a:rPr lang="en-US" sz="900" kern="100" dirty="0" err="1">
+                <a:latin typeface="Calibri" panose="020F0502020204030204" pitchFamily="34" charset="0"/>
+                <a:ea typeface="Calibri" panose="020F0502020204030204" pitchFamily="34" charset="0"/>
+                <a:cs typeface="Calibri" panose="020F0502020204030204" pitchFamily="34" charset="0"/>
+                <a:hlinkClick r:id="rId5"/>
+              </a:rPr>
+              <a:t>hahn</a:t>
+            </a:r>
+            <a:r>
+              <a:rPr lang="en-US" sz="900" kern="100" dirty="0">
+                <a:latin typeface="Calibri" panose="020F0502020204030204" pitchFamily="34" charset="0"/>
+                <a:ea typeface="Calibri" panose="020F0502020204030204" pitchFamily="34" charset="0"/>
+                <a:cs typeface="Calibri" panose="020F0502020204030204" pitchFamily="34" charset="0"/>
+                <a:hlinkClick r:id="rId5"/>
+              </a:rPr>
+              <a:t>-sense</a:t>
+            </a:r>
+            <a:endParaRPr lang="en-US" sz="900" kern="100" dirty="0">
+              <a:effectLst/>
+              <a:latin typeface="Calibri" panose="020F0502020204030204" pitchFamily="34" charset="0"/>
+              <a:ea typeface="Calibri" panose="020F0502020204030204" pitchFamily="34" charset="0"/>
+              <a:cs typeface="Calibri" panose="020F0502020204030204" pitchFamily="34" charset="0"/>
+            </a:endParaRPr>
           </a:p>
         </p:txBody>
       </p:sp>
       <p:pic>
         <p:nvPicPr>
-          <p:cNvPr id="11" name="Picture 10">
-            <a:extLst>
-              <a:ext uri="{FF2B5EF4-FFF2-40B4-BE49-F238E27FC236}">
-                <a16:creationId xmlns:a16="http://schemas.microsoft.com/office/drawing/2014/main" id="{69F42EF3-7CB4-D0CF-63CB-E6259B78922E}"/>
-              </a:ext>
-            </a:extLst>
-          </p:cNvPr>
-          <p:cNvPicPr>
-            <a:picLocks noChangeAspect="1"/>
-          </p:cNvPicPr>
-          <p:nvPr/>
-        </p:nvPicPr>
-        <p:blipFill>
-          <a:blip r:embed="rId6" cstate="email">
-            <a:extLst>
-              <a:ext uri="{28A0092B-C50C-407E-A947-70E740481C1C}">
-                <a14:useLocalDpi xmlns:a14="http://schemas.microsoft.com/office/drawing/2010/main"/>
-              </a:ext>
-            </a:extLst>
-          </a:blip>
-          <a:stretch>
-            <a:fillRect/>
-          </a:stretch>
-        </p:blipFill>
-        <p:spPr>
-          <a:xfrm>
-            <a:off x="8759183" y="4161680"/>
-            <a:ext cx="1181100" cy="1193800"/>
-          </a:xfrm>
-          <a:prstGeom prst="rect">
-            <a:avLst/>
-          </a:prstGeom>
-        </p:spPr>
-      </p:pic>
-      <p:sp>
-        <p:nvSpPr>
-          <p:cNvPr id="14" name="TextBox 13">
-            <a:extLst>
-              <a:ext uri="{FF2B5EF4-FFF2-40B4-BE49-F238E27FC236}">
-                <a16:creationId xmlns:a16="http://schemas.microsoft.com/office/drawing/2014/main" id="{CD213664-F45E-5000-E1E2-51F69677B8F1}"/>
-              </a:ext>
-            </a:extLst>
-          </p:cNvPr>
-          <p:cNvSpPr txBox="1"/>
-          <p:nvPr/>
-        </p:nvSpPr>
-        <p:spPr>
-          <a:xfrm>
-            <a:off x="9166553" y="5571030"/>
-            <a:ext cx="2767598" cy="661720"/>
-          </a:xfrm>
-          <a:prstGeom prst="rect">
-            <a:avLst/>
-          </a:prstGeom>
-          <a:solidFill>
-            <a:schemeClr val="accent4">
-              <a:lumMod val="20000"/>
-              <a:lumOff val="80000"/>
-            </a:schemeClr>
-          </a:solidFill>
-        </p:spPr>
-        <p:txBody>
-          <a:bodyPr wrap="square">
-            <a:spAutoFit/>
-          </a:bodyPr>
-          <a:lstStyle/>
-          <a:p>
-            <a:r>
-              <a:rPr lang="en-US" sz="1400" dirty="0"/>
-              <a:t>Weed Warrior Brush Cutter </a:t>
-            </a:r>
-          </a:p>
-          <a:p>
-            <a:r>
-              <a:rPr lang="en-US" sz="1400" dirty="0"/>
-              <a:t>Weed Trimmer Blade Head</a:t>
-            </a:r>
-            <a:br>
-              <a:rPr lang="en-US" sz="900" dirty="0">
-                <a:solidFill>
-                  <a:srgbClr val="374151"/>
-                </a:solidFill>
-                <a:latin typeface="Calibri" panose="020F0502020204030204" pitchFamily="34" charset="0"/>
-                <a:cs typeface="Calibri" panose="020F0502020204030204" pitchFamily="34" charset="0"/>
-              </a:rPr>
-            </a:br>
-            <a:r>
-              <a:rPr lang="en-US" sz="900" dirty="0">
-                <a:solidFill>
-                  <a:srgbClr val="374151"/>
-                </a:solidFill>
-                <a:latin typeface="Calibri" panose="020F0502020204030204" pitchFamily="34" charset="0"/>
-                <a:cs typeface="Calibri" panose="020F0502020204030204" pitchFamily="34" charset="0"/>
-                <a:hlinkClick r:id="rId7"/>
-              </a:rPr>
-              <a:t>https://www.amazon.com/gp/product/B0045PS4RW</a:t>
-            </a:r>
-            <a:endParaRPr lang="en-US" sz="900" dirty="0"/>
-          </a:p>
-        </p:txBody>
-      </p:sp>
-      <p:pic>
-        <p:nvPicPr>
-          <p:cNvPr id="15" name="Picture 14">
-            <a:extLst>
-              <a:ext uri="{FF2B5EF4-FFF2-40B4-BE49-F238E27FC236}">
-                <a16:creationId xmlns:a16="http://schemas.microsoft.com/office/drawing/2014/main" id="{3065DDA5-C38B-C31C-555D-DABA223EE515}"/>
-              </a:ext>
-            </a:extLst>
-          </p:cNvPr>
-          <p:cNvPicPr>
-            <a:picLocks noChangeAspect="1"/>
-          </p:cNvPicPr>
-          <p:nvPr/>
-        </p:nvPicPr>
-        <p:blipFill>
-          <a:blip r:embed="rId8" cstate="email">
-            <a:extLst>
-              <a:ext uri="{28A0092B-C50C-407E-A947-70E740481C1C}">
-                <a14:useLocalDpi xmlns:a14="http://schemas.microsoft.com/office/drawing/2010/main"/>
-              </a:ext>
-            </a:extLst>
-          </a:blip>
-          <a:stretch>
-            <a:fillRect/>
-          </a:stretch>
-        </p:blipFill>
-        <p:spPr>
-          <a:xfrm>
-            <a:off x="10062106" y="4112557"/>
-            <a:ext cx="1771885" cy="1134358"/>
-          </a:xfrm>
-          <a:prstGeom prst="rect">
-            <a:avLst/>
-          </a:prstGeom>
-        </p:spPr>
-      </p:pic>
-      <p:sp>
-        <p:nvSpPr>
-          <p:cNvPr id="16" name="TextBox 15">
-            <a:extLst>
-              <a:ext uri="{FF2B5EF4-FFF2-40B4-BE49-F238E27FC236}">
-                <a16:creationId xmlns:a16="http://schemas.microsoft.com/office/drawing/2014/main" id="{FB5F3861-D19D-21E1-6BC0-A220DF513903}"/>
-              </a:ext>
-            </a:extLst>
-          </p:cNvPr>
-          <p:cNvSpPr txBox="1"/>
-          <p:nvPr/>
-        </p:nvSpPr>
-        <p:spPr>
-          <a:xfrm>
-            <a:off x="6737131" y="43930"/>
-            <a:ext cx="882869" cy="369332"/>
-          </a:xfrm>
-          <a:prstGeom prst="rect">
-            <a:avLst/>
-          </a:prstGeom>
-          <a:noFill/>
-        </p:spPr>
-        <p:txBody>
-          <a:bodyPr wrap="square" rtlCol="0">
-            <a:spAutoFit/>
-          </a:bodyPr>
-          <a:lstStyle/>
-          <a:p>
-            <a:r>
-              <a:rPr lang="en-US" dirty="0"/>
-              <a:t>Motor</a:t>
-            </a:r>
-          </a:p>
-        </p:txBody>
-      </p:sp>
-      <p:pic>
-        <p:nvPicPr>
-          <p:cNvPr id="2" name="Picture 1">
-            <a:extLst>
-              <a:ext uri="{FF2B5EF4-FFF2-40B4-BE49-F238E27FC236}">
-                <a16:creationId xmlns:a16="http://schemas.microsoft.com/office/drawing/2014/main" id="{648733F7-BD2B-23F7-9769-9A354B144646}"/>
-              </a:ext>
-            </a:extLst>
-          </p:cNvPr>
-          <p:cNvPicPr>
-            <a:picLocks noChangeAspect="1"/>
-          </p:cNvPicPr>
-          <p:nvPr/>
-        </p:nvPicPr>
-        <p:blipFill>
-          <a:blip r:embed="rId9" cstate="email">
-            <a:extLst>
-              <a:ext uri="{28A0092B-C50C-407E-A947-70E740481C1C}">
-                <a14:useLocalDpi xmlns:a14="http://schemas.microsoft.com/office/drawing/2010/main"/>
-              </a:ext>
-            </a:extLst>
-          </a:blip>
-          <a:stretch>
-            <a:fillRect/>
-          </a:stretch>
-        </p:blipFill>
-        <p:spPr>
-          <a:xfrm>
-            <a:off x="5047094" y="481521"/>
-            <a:ext cx="1048906" cy="2114550"/>
-          </a:xfrm>
-          <a:prstGeom prst="rect">
-            <a:avLst/>
-          </a:prstGeom>
-        </p:spPr>
-      </p:pic>
-      <p:pic>
-        <p:nvPicPr>
-          <p:cNvPr id="3" name="Picture 2">
-            <a:extLst>
-              <a:ext uri="{FF2B5EF4-FFF2-40B4-BE49-F238E27FC236}">
-                <a16:creationId xmlns:a16="http://schemas.microsoft.com/office/drawing/2014/main" id="{5A0C9971-3D23-2ACF-6DFA-76DB2680CA78}"/>
-              </a:ext>
-            </a:extLst>
-          </p:cNvPr>
-          <p:cNvPicPr>
-            <a:picLocks noChangeAspect="1"/>
-          </p:cNvPicPr>
-          <p:nvPr/>
-        </p:nvPicPr>
-        <p:blipFill>
-          <a:blip r:embed="rId10" cstate="email">
-            <a:extLst>
-              <a:ext uri="{28A0092B-C50C-407E-A947-70E740481C1C}">
-                <a14:useLocalDpi xmlns:a14="http://schemas.microsoft.com/office/drawing/2010/main"/>
-              </a:ext>
-            </a:extLst>
-          </a:blip>
-          <a:stretch>
-            <a:fillRect/>
-          </a:stretch>
-        </p:blipFill>
-        <p:spPr>
-          <a:xfrm>
-            <a:off x="4070540" y="2771970"/>
-            <a:ext cx="1550921" cy="1360714"/>
-          </a:xfrm>
-          <a:prstGeom prst="rect">
-            <a:avLst/>
-          </a:prstGeom>
-        </p:spPr>
-      </p:pic>
-      <p:sp>
-        <p:nvSpPr>
-          <p:cNvPr id="6" name="TextBox 5">
-            <a:extLst>
-              <a:ext uri="{FF2B5EF4-FFF2-40B4-BE49-F238E27FC236}">
-                <a16:creationId xmlns:a16="http://schemas.microsoft.com/office/drawing/2014/main" id="{6F7AF2AB-A3DC-D436-FFBE-25B6B5DE0EF5}"/>
-              </a:ext>
-            </a:extLst>
-          </p:cNvPr>
-          <p:cNvSpPr txBox="1"/>
-          <p:nvPr/>
-        </p:nvSpPr>
-        <p:spPr>
-          <a:xfrm>
-            <a:off x="4530366" y="4250992"/>
-            <a:ext cx="2282182" cy="661720"/>
-          </a:xfrm>
-          <a:prstGeom prst="rect">
-            <a:avLst/>
-          </a:prstGeom>
-          <a:solidFill>
-            <a:schemeClr val="accent4">
-              <a:lumMod val="20000"/>
-              <a:lumOff val="80000"/>
-            </a:schemeClr>
-          </a:solidFill>
-        </p:spPr>
-        <p:txBody>
-          <a:bodyPr wrap="square">
-            <a:spAutoFit/>
-          </a:bodyPr>
-          <a:lstStyle/>
-          <a:p>
-            <a:r>
-              <a:rPr lang="en-US" sz="1400" dirty="0"/>
-              <a:t>8"x3T Weed Eater Blade </a:t>
-            </a:r>
-            <a:br>
-              <a:rPr lang="en-US" sz="1400" dirty="0"/>
-            </a:br>
-            <a:r>
-              <a:rPr lang="en-US" sz="1400" dirty="0"/>
-              <a:t>1" or 20mm arbor</a:t>
-            </a:r>
-          </a:p>
-          <a:p>
-            <a:r>
-              <a:rPr lang="en-US" sz="900" dirty="0">
-                <a:solidFill>
-                  <a:srgbClr val="374151"/>
-                </a:solidFill>
-                <a:latin typeface="Calibri" panose="020F0502020204030204" pitchFamily="34" charset="0"/>
-                <a:cs typeface="Calibri" panose="020F0502020204030204" pitchFamily="34" charset="0"/>
-                <a:hlinkClick r:id="rId11"/>
-              </a:rPr>
-              <a:t>https://</a:t>
-            </a:r>
-            <a:r>
-              <a:rPr lang="en-US" sz="900" dirty="0" err="1">
-                <a:solidFill>
-                  <a:srgbClr val="374151"/>
-                </a:solidFill>
-                <a:latin typeface="Calibri" panose="020F0502020204030204" pitchFamily="34" charset="0"/>
-                <a:cs typeface="Calibri" panose="020F0502020204030204" pitchFamily="34" charset="0"/>
-                <a:hlinkClick r:id="rId11"/>
-              </a:rPr>
-              <a:t>www.amazon.com</a:t>
-            </a:r>
-            <a:r>
-              <a:rPr lang="en-US" sz="900" dirty="0">
-                <a:solidFill>
-                  <a:srgbClr val="374151"/>
-                </a:solidFill>
-                <a:latin typeface="Calibri" panose="020F0502020204030204" pitchFamily="34" charset="0"/>
-                <a:cs typeface="Calibri" panose="020F0502020204030204" pitchFamily="34" charset="0"/>
-                <a:hlinkClick r:id="rId11"/>
-              </a:rPr>
-              <a:t>/</a:t>
-            </a:r>
-            <a:r>
-              <a:rPr lang="en-US" sz="900" dirty="0" err="1">
-                <a:solidFill>
-                  <a:srgbClr val="374151"/>
-                </a:solidFill>
-                <a:latin typeface="Calibri" panose="020F0502020204030204" pitchFamily="34" charset="0"/>
-                <a:cs typeface="Calibri" panose="020F0502020204030204" pitchFamily="34" charset="0"/>
-                <a:hlinkClick r:id="rId11"/>
-              </a:rPr>
-              <a:t>dp</a:t>
-            </a:r>
-            <a:r>
-              <a:rPr lang="en-US" sz="900" dirty="0">
-                <a:solidFill>
-                  <a:srgbClr val="374151"/>
-                </a:solidFill>
-                <a:latin typeface="Calibri" panose="020F0502020204030204" pitchFamily="34" charset="0"/>
-                <a:cs typeface="Calibri" panose="020F0502020204030204" pitchFamily="34" charset="0"/>
-                <a:hlinkClick r:id="rId11"/>
-              </a:rPr>
-              <a:t>/B07VV3659P</a:t>
-            </a:r>
-            <a:endParaRPr lang="en-US" sz="900" dirty="0"/>
-          </a:p>
-        </p:txBody>
-      </p:sp>
-      <p:pic>
-        <p:nvPicPr>
-          <p:cNvPr id="1028" name="Picture 4" descr="Forester 3 Tooth Brush Cutter Blade - 8&quot; Diameter x 1&quot; or 20mm Arbor - Picture 1 of 1">
-            <a:extLst>
-              <a:ext uri="{FF2B5EF4-FFF2-40B4-BE49-F238E27FC236}">
-                <a16:creationId xmlns:a16="http://schemas.microsoft.com/office/drawing/2014/main" id="{6D1B01F5-B2FA-B25D-7694-CD7F3DC77C77}"/>
+          <p:cNvPr id="1026" name="Picture 2" descr="European Scythe parts, labeled">
+            <a:extLst>
+              <a:ext uri="{FF2B5EF4-FFF2-40B4-BE49-F238E27FC236}">
+                <a16:creationId xmlns:a16="http://schemas.microsoft.com/office/drawing/2014/main" id="{76C5AE63-CDDD-C618-40D6-E5C96A1A8E35}"/>
               </a:ext>
             </a:extLst>
           </p:cNvPr>
@@ -4800,8 +4672,8 @@
           </p:cNvPicPr>
           <p:nvPr/>
         </p:nvPicPr>
-        <p:blipFill rotWithShape="1">
-          <a:blip r:embed="rId12" cstate="email">
+        <p:blipFill>
+          <a:blip r:embed="rId6">
             <a:extLst>
               <a:ext uri="{28A0092B-C50C-407E-A947-70E740481C1C}">
                 <a14:useLocalDpi xmlns:a14="http://schemas.microsoft.com/office/drawing/2010/main"/>
@@ -4815,8 +4687,8 @@
         </p:blipFill>
         <p:spPr bwMode="auto">
           <a:xfrm>
-            <a:off x="5671457" y="2758337"/>
-            <a:ext cx="1550921" cy="1387979"/>
+            <a:off x="8694184" y="12521"/>
+            <a:ext cx="3492500" cy="5041900"/>
           </a:xfrm>
           <a:prstGeom prst="rect">
             <a:avLst/>
@@ -4833,10 +4705,1298 @@
           </a:extLst>
         </p:spPr>
       </p:pic>
+      <p:sp>
+        <p:nvSpPr>
+          <p:cNvPr id="13" name="TextBox 12">
+            <a:extLst>
+              <a:ext uri="{FF2B5EF4-FFF2-40B4-BE49-F238E27FC236}">
+                <a16:creationId xmlns:a16="http://schemas.microsoft.com/office/drawing/2014/main" id="{D0960EDE-800B-A678-3584-E2A590869989}"/>
+              </a:ext>
+            </a:extLst>
+          </p:cNvPr>
+          <p:cNvSpPr txBox="1"/>
+          <p:nvPr/>
+        </p:nvSpPr>
+        <p:spPr>
+          <a:xfrm>
+            <a:off x="81519" y="523220"/>
+            <a:ext cx="3936422" cy="646331"/>
+          </a:xfrm>
+          <a:prstGeom prst="rect">
+            <a:avLst/>
+          </a:prstGeom>
+          <a:solidFill>
+            <a:schemeClr val="accent4">
+              <a:lumMod val="20000"/>
+              <a:lumOff val="80000"/>
+            </a:schemeClr>
+          </a:solidFill>
+          <a:ln>
+            <a:solidFill>
+              <a:srgbClr val="FF0000"/>
+            </a:solidFill>
+          </a:ln>
+        </p:spPr>
+        <p:txBody>
+          <a:bodyPr wrap="square">
+            <a:spAutoFit/>
+          </a:bodyPr>
+          <a:lstStyle/>
+          <a:p>
+            <a:pPr marL="119063" indent="-119063">
+              <a:buFont typeface="Arial" panose="020B0604020202020204" pitchFamily="34" charset="0"/>
+              <a:buChar char="•"/>
+            </a:pPr>
+            <a:r>
+              <a:rPr lang="en-US" sz="1200" b="0" i="0" dirty="0">
+                <a:solidFill>
+                  <a:srgbClr val="374151"/>
+                </a:solidFill>
+                <a:effectLst/>
+                <a:latin typeface="Calibri" panose="020F0502020204030204" pitchFamily="34" charset="0"/>
+                <a:cs typeface="Calibri" panose="020F0502020204030204" pitchFamily="34" charset="0"/>
+              </a:rPr>
+              <a:t>A scythe - a traditional hand tool for grass/crops mowing</a:t>
+            </a:r>
+          </a:p>
+          <a:p>
+            <a:pPr marL="119063" indent="-119063">
+              <a:buFont typeface="Arial" panose="020B0604020202020204" pitchFamily="34" charset="0"/>
+              <a:buChar char="•"/>
+            </a:pPr>
+            <a:r>
+              <a:rPr lang="en-US" sz="1200" b="0" i="0" dirty="0">
+                <a:solidFill>
+                  <a:srgbClr val="374151"/>
+                </a:solidFill>
+                <a:effectLst/>
+                <a:latin typeface="Calibri" panose="020F0502020204030204" pitchFamily="34" charset="0"/>
+                <a:cs typeface="Calibri" panose="020F0502020204030204" pitchFamily="34" charset="0"/>
+              </a:rPr>
+              <a:t>A long blade attached at an angle to a long handle. </a:t>
+            </a:r>
+          </a:p>
+          <a:p>
+            <a:pPr marL="119063" indent="-119063">
+              <a:buFont typeface="Arial" panose="020B0604020202020204" pitchFamily="34" charset="0"/>
+              <a:buChar char="•"/>
+            </a:pPr>
+            <a:r>
+              <a:rPr lang="en-US" sz="1200" b="0" i="0" dirty="0">
+                <a:solidFill>
+                  <a:srgbClr val="374151"/>
+                </a:solidFill>
+                <a:effectLst/>
+                <a:latin typeface="Calibri" panose="020F0502020204030204" pitchFamily="34" charset="0"/>
+                <a:cs typeface="Calibri" panose="020F0502020204030204" pitchFamily="34" charset="0"/>
+              </a:rPr>
+              <a:t>still used for small scale mowing</a:t>
+            </a:r>
+            <a:endParaRPr lang="en-US" sz="1200" dirty="0">
+              <a:latin typeface="Calibri" panose="020F0502020204030204" pitchFamily="34" charset="0"/>
+              <a:cs typeface="Calibri" panose="020F0502020204030204" pitchFamily="34" charset="0"/>
+            </a:endParaRPr>
+          </a:p>
+        </p:txBody>
+      </p:sp>
+      <p:sp>
+        <p:nvSpPr>
+          <p:cNvPr id="2" name="TextBox 1">
+            <a:extLst>
+              <a:ext uri="{FF2B5EF4-FFF2-40B4-BE49-F238E27FC236}">
+                <a16:creationId xmlns:a16="http://schemas.microsoft.com/office/drawing/2014/main" id="{0EECE7EE-F73C-5E24-BB78-E7969CDF7AB5}"/>
+              </a:ext>
+            </a:extLst>
+          </p:cNvPr>
+          <p:cNvSpPr txBox="1"/>
+          <p:nvPr/>
+        </p:nvSpPr>
+        <p:spPr>
+          <a:xfrm>
+            <a:off x="81519" y="2043084"/>
+            <a:ext cx="3936422" cy="923330"/>
+          </a:xfrm>
+          <a:prstGeom prst="rect">
+            <a:avLst/>
+          </a:prstGeom>
+          <a:solidFill>
+            <a:schemeClr val="accent4">
+              <a:lumMod val="20000"/>
+              <a:lumOff val="80000"/>
+            </a:schemeClr>
+          </a:solidFill>
+          <a:ln>
+            <a:solidFill>
+              <a:srgbClr val="FF0000"/>
+            </a:solidFill>
+          </a:ln>
+        </p:spPr>
+        <p:txBody>
+          <a:bodyPr wrap="square">
+            <a:spAutoFit/>
+          </a:bodyPr>
+          <a:lstStyle/>
+          <a:p>
+            <a:pPr marL="119063" marR="0" indent="-119063">
+              <a:spcBef>
+                <a:spcPts val="0"/>
+              </a:spcBef>
+              <a:spcAft>
+                <a:spcPts val="0"/>
+              </a:spcAft>
+              <a:buFont typeface="Arial" panose="020B0604020202020204" pitchFamily="34" charset="0"/>
+              <a:buChar char="•"/>
+            </a:pPr>
+            <a:r>
+              <a:rPr lang="en-US" sz="900" kern="100" dirty="0">
+                <a:effectLst/>
+                <a:latin typeface="Calibri" panose="020F0502020204030204" pitchFamily="34" charset="0"/>
+                <a:ea typeface="Calibri" panose="020F0502020204030204" pitchFamily="34" charset="0"/>
+                <a:cs typeface="Calibri" panose="020F0502020204030204" pitchFamily="34" charset="0"/>
+              </a:rPr>
+              <a:t>Europe</a:t>
+            </a:r>
+          </a:p>
+          <a:p>
+            <a:pPr marL="119063" marR="0" indent="-119063">
+              <a:spcBef>
+                <a:spcPts val="0"/>
+              </a:spcBef>
+              <a:spcAft>
+                <a:spcPts val="0"/>
+              </a:spcAft>
+              <a:buFont typeface="Arial" panose="020B0604020202020204" pitchFamily="34" charset="0"/>
+              <a:buChar char="•"/>
+            </a:pPr>
+            <a:r>
+              <a:rPr lang="en-US" sz="900" kern="100" dirty="0">
+                <a:latin typeface="Calibri" panose="020F0502020204030204" pitchFamily="34" charset="0"/>
+                <a:ea typeface="Calibri" panose="020F0502020204030204" pitchFamily="34" charset="0"/>
+                <a:cs typeface="Calibri" panose="020F0502020204030204" pitchFamily="34" charset="0"/>
+                <a:hlinkClick r:id="rId7"/>
+              </a:rPr>
+              <a:t>https://</a:t>
+            </a:r>
+            <a:r>
+              <a:rPr lang="en-US" sz="900" kern="100" dirty="0" err="1">
+                <a:latin typeface="Calibri" panose="020F0502020204030204" pitchFamily="34" charset="0"/>
+                <a:ea typeface="Calibri" panose="020F0502020204030204" pitchFamily="34" charset="0"/>
+                <a:cs typeface="Calibri" panose="020F0502020204030204" pitchFamily="34" charset="0"/>
+                <a:hlinkClick r:id="rId7"/>
+              </a:rPr>
+              <a:t>www.scythecymru.co.uk</a:t>
+            </a:r>
+            <a:endParaRPr lang="en-US" sz="900" kern="100" dirty="0">
+              <a:latin typeface="Calibri" panose="020F0502020204030204" pitchFamily="34" charset="0"/>
+              <a:ea typeface="Calibri" panose="020F0502020204030204" pitchFamily="34" charset="0"/>
+              <a:cs typeface="Calibri" panose="020F0502020204030204" pitchFamily="34" charset="0"/>
+            </a:endParaRPr>
+          </a:p>
+          <a:p>
+            <a:pPr marL="119063" marR="0" indent="-119063">
+              <a:spcBef>
+                <a:spcPts val="0"/>
+              </a:spcBef>
+              <a:spcAft>
+                <a:spcPts val="0"/>
+              </a:spcAft>
+              <a:buFont typeface="Arial" panose="020B0604020202020204" pitchFamily="34" charset="0"/>
+              <a:buChar char="•"/>
+            </a:pPr>
+            <a:r>
+              <a:rPr lang="en-US" sz="900" kern="100" dirty="0">
+                <a:latin typeface="Calibri" panose="020F0502020204030204" pitchFamily="34" charset="0"/>
+                <a:ea typeface="Calibri" panose="020F0502020204030204" pitchFamily="34" charset="0"/>
+                <a:cs typeface="Calibri" panose="020F0502020204030204" pitchFamily="34" charset="0"/>
+                <a:hlinkClick r:id="rId8"/>
+              </a:rPr>
+              <a:t>https://www.youtube.com/watch?v=LrkpRV4P1bM</a:t>
+            </a:r>
+            <a:r>
+              <a:rPr lang="en-US" sz="900" kern="100" dirty="0">
+                <a:latin typeface="Calibri" panose="020F0502020204030204" pitchFamily="34" charset="0"/>
+                <a:ea typeface="Calibri" panose="020F0502020204030204" pitchFamily="34" charset="0"/>
+                <a:cs typeface="Calibri" panose="020F0502020204030204" pitchFamily="34" charset="0"/>
+              </a:rPr>
+              <a:t> – excellent 7 min video</a:t>
+            </a:r>
+          </a:p>
+          <a:p>
+            <a:pPr marL="119063" marR="0" indent="-119063">
+              <a:spcBef>
+                <a:spcPts val="0"/>
+              </a:spcBef>
+              <a:spcAft>
+                <a:spcPts val="0"/>
+              </a:spcAft>
+              <a:buFont typeface="Arial" panose="020B0604020202020204" pitchFamily="34" charset="0"/>
+              <a:buChar char="•"/>
+            </a:pPr>
+            <a:r>
+              <a:rPr lang="en-US" sz="900" kern="100" dirty="0">
+                <a:latin typeface="Calibri" panose="020F0502020204030204" pitchFamily="34" charset="0"/>
+                <a:ea typeface="Calibri" panose="020F0502020204030204" pitchFamily="34" charset="0"/>
+                <a:cs typeface="Calibri" panose="020F0502020204030204" pitchFamily="34" charset="0"/>
+                <a:hlinkClick r:id="rId9"/>
+              </a:rPr>
+              <a:t>https://www.youtube.com/watch?v=Wt2XNZpnq5o</a:t>
+            </a:r>
+            <a:r>
+              <a:rPr lang="en-US" sz="900" kern="100" dirty="0">
+                <a:latin typeface="Calibri" panose="020F0502020204030204" pitchFamily="34" charset="0"/>
+                <a:ea typeface="Calibri" panose="020F0502020204030204" pitchFamily="34" charset="0"/>
+                <a:cs typeface="Calibri" panose="020F0502020204030204" pitchFamily="34" charset="0"/>
+              </a:rPr>
+              <a:t> – Nordic vs Austrian</a:t>
+            </a:r>
+          </a:p>
+          <a:p>
+            <a:pPr marL="119063" marR="0" indent="-119063">
+              <a:spcBef>
+                <a:spcPts val="0"/>
+              </a:spcBef>
+              <a:spcAft>
+                <a:spcPts val="0"/>
+              </a:spcAft>
+              <a:buFont typeface="Arial" panose="020B0604020202020204" pitchFamily="34" charset="0"/>
+              <a:buChar char="•"/>
+            </a:pPr>
+            <a:r>
+              <a:rPr lang="en-US" sz="900" kern="100" dirty="0">
+                <a:latin typeface="Calibri" panose="020F0502020204030204" pitchFamily="34" charset="0"/>
+                <a:ea typeface="Calibri" panose="020F0502020204030204" pitchFamily="34" charset="0"/>
+                <a:cs typeface="Calibri" panose="020F0502020204030204" pitchFamily="34" charset="0"/>
+                <a:hlinkClick r:id="rId10"/>
+              </a:rPr>
+              <a:t>https://www.slattergubben.se/lang-EN/products/buy-a-scythe/scythe-blade-snath-peening-equipment </a:t>
+            </a:r>
+            <a:endParaRPr lang="en-US" sz="900" kern="100" dirty="0">
+              <a:latin typeface="Calibri" panose="020F0502020204030204" pitchFamily="34" charset="0"/>
+              <a:ea typeface="Calibri" panose="020F0502020204030204" pitchFamily="34" charset="0"/>
+              <a:cs typeface="Calibri" panose="020F0502020204030204" pitchFamily="34" charset="0"/>
+            </a:endParaRPr>
+          </a:p>
+        </p:txBody>
+      </p:sp>
+      <p:pic>
+        <p:nvPicPr>
+          <p:cNvPr id="3" name="Picture 2">
+            <a:extLst>
+              <a:ext uri="{FF2B5EF4-FFF2-40B4-BE49-F238E27FC236}">
+                <a16:creationId xmlns:a16="http://schemas.microsoft.com/office/drawing/2014/main" id="{9D7C07A2-563F-8F54-90D3-4C3EE94A54E9}"/>
+              </a:ext>
+            </a:extLst>
+          </p:cNvPr>
+          <p:cNvPicPr>
+            <a:picLocks noChangeAspect="1" noChangeArrowheads="1"/>
+          </p:cNvPicPr>
+          <p:nvPr/>
+        </p:nvPicPr>
+        <p:blipFill>
+          <a:blip r:embed="rId11" cstate="email">
+            <a:extLst>
+              <a:ext uri="{28A0092B-C50C-407E-A947-70E740481C1C}">
+                <a14:useLocalDpi xmlns:a14="http://schemas.microsoft.com/office/drawing/2010/main"/>
+              </a:ext>
+            </a:extLst>
+          </a:blip>
+          <a:srcRect/>
+          <a:stretch>
+            <a:fillRect/>
+          </a:stretch>
+        </p:blipFill>
+        <p:spPr bwMode="auto">
+          <a:xfrm>
+            <a:off x="81518" y="4117688"/>
+            <a:ext cx="4887404" cy="2587524"/>
+          </a:xfrm>
+          <a:prstGeom prst="rect">
+            <a:avLst/>
+          </a:prstGeom>
+          <a:noFill/>
+          <a:ln>
+            <a:solidFill>
+              <a:srgbClr val="FF0000"/>
+            </a:solidFill>
+          </a:ln>
+          <a:extLst>
+            <a:ext uri="{909E8E84-426E-40DD-AFC4-6F175D3DCCD1}">
+              <a14:hiddenFill xmlns:a14="http://schemas.microsoft.com/office/drawing/2010/main">
+                <a:solidFill>
+                  <a:srgbClr val="FFFFFF"/>
+                </a:solidFill>
+              </a14:hiddenFill>
+            </a:ext>
+          </a:extLst>
+        </p:spPr>
+      </p:pic>
+      <p:pic>
+        <p:nvPicPr>
+          <p:cNvPr id="4" name="Picture 3">
+            <a:extLst>
+              <a:ext uri="{FF2B5EF4-FFF2-40B4-BE49-F238E27FC236}">
+                <a16:creationId xmlns:a16="http://schemas.microsoft.com/office/drawing/2014/main" id="{30F4E3A7-5B64-11A6-34F2-151654B5CBC3}"/>
+              </a:ext>
+            </a:extLst>
+          </p:cNvPr>
+          <p:cNvPicPr>
+            <a:picLocks noChangeAspect="1"/>
+          </p:cNvPicPr>
+          <p:nvPr/>
+        </p:nvPicPr>
+        <p:blipFill>
+          <a:blip r:embed="rId12" cstate="email">
+            <a:extLst>
+              <a:ext uri="{28A0092B-C50C-407E-A947-70E740481C1C}">
+                <a14:useLocalDpi xmlns:a14="http://schemas.microsoft.com/office/drawing/2010/main"/>
+              </a:ext>
+            </a:extLst>
+          </a:blip>
+          <a:stretch>
+            <a:fillRect/>
+          </a:stretch>
+        </p:blipFill>
+        <p:spPr>
+          <a:xfrm>
+            <a:off x="5018903" y="523220"/>
+            <a:ext cx="4353697" cy="3341209"/>
+          </a:xfrm>
+          <a:prstGeom prst="rect">
+            <a:avLst/>
+          </a:prstGeom>
+          <a:ln>
+            <a:solidFill>
+              <a:srgbClr val="FF0000"/>
+            </a:solidFill>
+          </a:ln>
+        </p:spPr>
+      </p:pic>
     </p:spTree>
     <p:extLst>
       <p:ext uri="{BB962C8B-B14F-4D97-AF65-F5344CB8AC3E}">
-        <p14:creationId xmlns:p14="http://schemas.microsoft.com/office/powerpoint/2010/main" val="229392706"/>
+        <p14:creationId xmlns:p14="http://schemas.microsoft.com/office/powerpoint/2010/main" val="4152477358"/>
+      </p:ext>
+    </p:extLst>
+  </p:cSld>
+  <p:clrMapOvr>
+    <a:masterClrMapping/>
+  </p:clrMapOvr>
+</p:sld>
+</file>
+
+<file path=ppt/slides/slide3.xml><?xml version="1.0" encoding="utf-8"?>
+<p:sld xmlns:a="http://schemas.openxmlformats.org/drawingml/2006/main" xmlns:r="http://schemas.openxmlformats.org/officeDocument/2006/relationships" xmlns:p="http://schemas.openxmlformats.org/presentationml/2006/main">
+  <p:cSld>
+    <p:spTree>
+      <p:nvGrpSpPr>
+        <p:cNvPr id="1" name="">
+          <a:extLst>
+            <a:ext uri="{FF2B5EF4-FFF2-40B4-BE49-F238E27FC236}">
+              <a16:creationId xmlns:a16="http://schemas.microsoft.com/office/drawing/2014/main" id="{BD3B1A04-3702-C6C8-4751-3E8FA4CD77BB}"/>
+            </a:ext>
+          </a:extLst>
+        </p:cNvPr>
+        <p:cNvGrpSpPr/>
+        <p:nvPr/>
+      </p:nvGrpSpPr>
+      <p:grpSpPr>
+        <a:xfrm>
+          <a:off x="0" y="0"/>
+          <a:ext cx="0" cy="0"/>
+          <a:chOff x="0" y="0"/>
+          <a:chExt cx="0" cy="0"/>
+        </a:xfrm>
+      </p:grpSpPr>
+      <p:pic>
+        <p:nvPicPr>
+          <p:cNvPr id="2050" name="Picture 2" descr="Synthetic Stone">
+            <a:extLst>
+              <a:ext uri="{FF2B5EF4-FFF2-40B4-BE49-F238E27FC236}">
+                <a16:creationId xmlns:a16="http://schemas.microsoft.com/office/drawing/2014/main" id="{35140587-113D-D9C2-EB6E-0A15E23CC5B0}"/>
+              </a:ext>
+            </a:extLst>
+          </p:cNvPr>
+          <p:cNvPicPr>
+            <a:picLocks noChangeAspect="1" noChangeArrowheads="1"/>
+          </p:cNvPicPr>
+          <p:nvPr/>
+        </p:nvPicPr>
+        <p:blipFill>
+          <a:blip r:embed="rId2" cstate="email">
+            <a:extLst>
+              <a:ext uri="{28A0092B-C50C-407E-A947-70E740481C1C}">
+                <a14:useLocalDpi xmlns:a14="http://schemas.microsoft.com/office/drawing/2010/main"/>
+              </a:ext>
+            </a:extLst>
+          </a:blip>
+          <a:srcRect/>
+          <a:stretch>
+            <a:fillRect/>
+          </a:stretch>
+        </p:blipFill>
+        <p:spPr bwMode="auto">
+          <a:xfrm>
+            <a:off x="81519" y="665438"/>
+            <a:ext cx="2165145" cy="1133093"/>
+          </a:xfrm>
+          <a:prstGeom prst="rect">
+            <a:avLst/>
+          </a:prstGeom>
+          <a:noFill/>
+          <a:ln>
+            <a:solidFill>
+              <a:srgbClr val="FF0000"/>
+            </a:solidFill>
+          </a:ln>
+          <a:extLst>
+            <a:ext uri="{909E8E84-426E-40DD-AFC4-6F175D3DCCD1}">
+              <a14:hiddenFill xmlns:a14="http://schemas.microsoft.com/office/drawing/2010/main">
+                <a:solidFill>
+                  <a:srgbClr val="FFFFFF"/>
+                </a:solidFill>
+              </a14:hiddenFill>
+            </a:ext>
+          </a:extLst>
+        </p:spPr>
+      </p:pic>
+      <p:sp>
+        <p:nvSpPr>
+          <p:cNvPr id="10" name="TextBox 9">
+            <a:extLst>
+              <a:ext uri="{FF2B5EF4-FFF2-40B4-BE49-F238E27FC236}">
+                <a16:creationId xmlns:a16="http://schemas.microsoft.com/office/drawing/2014/main" id="{ED677EC4-3B51-5AC8-8242-91A5BDD7CF81}"/>
+              </a:ext>
+            </a:extLst>
+          </p:cNvPr>
+          <p:cNvSpPr txBox="1"/>
+          <p:nvPr/>
+        </p:nvSpPr>
+        <p:spPr>
+          <a:xfrm>
+            <a:off x="-119745" y="0"/>
+            <a:ext cx="3984174" cy="523220"/>
+          </a:xfrm>
+          <a:prstGeom prst="rect">
+            <a:avLst/>
+          </a:prstGeom>
+          <a:noFill/>
+        </p:spPr>
+        <p:txBody>
+          <a:bodyPr wrap="square" rtlCol="0">
+            <a:spAutoFit/>
+          </a:bodyPr>
+          <a:lstStyle/>
+          <a:p>
+            <a:r>
+              <a:rPr lang="en-US" sz="2800" b="1" dirty="0">
+                <a:solidFill>
+                  <a:srgbClr val="0070C0"/>
+                </a:solidFill>
+              </a:rPr>
+              <a:t>Scythe Accessories </a:t>
+            </a:r>
+            <a:endParaRPr lang="en-US" sz="2400" dirty="0">
+              <a:solidFill>
+                <a:srgbClr val="0070C0"/>
+              </a:solidFill>
+            </a:endParaRPr>
+          </a:p>
+        </p:txBody>
+      </p:sp>
+      <p:sp>
+        <p:nvSpPr>
+          <p:cNvPr id="13" name="TextBox 12">
+            <a:extLst>
+              <a:ext uri="{FF2B5EF4-FFF2-40B4-BE49-F238E27FC236}">
+                <a16:creationId xmlns:a16="http://schemas.microsoft.com/office/drawing/2014/main" id="{47063422-82A6-1FA5-FFF1-92A3AE531ED1}"/>
+              </a:ext>
+            </a:extLst>
+          </p:cNvPr>
+          <p:cNvSpPr txBox="1"/>
+          <p:nvPr/>
+        </p:nvSpPr>
+        <p:spPr>
+          <a:xfrm>
+            <a:off x="81519" y="665438"/>
+            <a:ext cx="974395" cy="276999"/>
+          </a:xfrm>
+          <a:prstGeom prst="rect">
+            <a:avLst/>
+          </a:prstGeom>
+          <a:solidFill>
+            <a:schemeClr val="accent4">
+              <a:lumMod val="20000"/>
+              <a:lumOff val="80000"/>
+            </a:schemeClr>
+          </a:solidFill>
+          <a:ln>
+            <a:solidFill>
+              <a:srgbClr val="FF0000"/>
+            </a:solidFill>
+          </a:ln>
+        </p:spPr>
+        <p:txBody>
+          <a:bodyPr wrap="square">
+            <a:spAutoFit/>
+          </a:bodyPr>
+          <a:lstStyle/>
+          <a:p>
+            <a:pPr algn="ctr"/>
+            <a:r>
+              <a:rPr lang="en-US" sz="1200" b="0" i="0" dirty="0">
+                <a:solidFill>
+                  <a:srgbClr val="374151"/>
+                </a:solidFill>
+                <a:effectLst/>
+                <a:latin typeface="Calibri" panose="020F0502020204030204" pitchFamily="34" charset="0"/>
+                <a:cs typeface="Calibri" panose="020F0502020204030204" pitchFamily="34" charset="0"/>
+              </a:rPr>
+              <a:t>Wet stone</a:t>
+            </a:r>
+            <a:endParaRPr lang="en-US" sz="1200" dirty="0">
+              <a:latin typeface="Calibri" panose="020F0502020204030204" pitchFamily="34" charset="0"/>
+              <a:cs typeface="Calibri" panose="020F0502020204030204" pitchFamily="34" charset="0"/>
+            </a:endParaRPr>
+          </a:p>
+        </p:txBody>
+      </p:sp>
+      <p:pic>
+        <p:nvPicPr>
+          <p:cNvPr id="2052" name="Picture 4" descr="Whetstone Holders">
+            <a:extLst>
+              <a:ext uri="{FF2B5EF4-FFF2-40B4-BE49-F238E27FC236}">
+                <a16:creationId xmlns:a16="http://schemas.microsoft.com/office/drawing/2014/main" id="{A8CCF429-65FA-6A20-2452-38B94C01AE10}"/>
+              </a:ext>
+            </a:extLst>
+          </p:cNvPr>
+          <p:cNvPicPr>
+            <a:picLocks noChangeAspect="1" noChangeArrowheads="1"/>
+          </p:cNvPicPr>
+          <p:nvPr/>
+        </p:nvPicPr>
+        <p:blipFill>
+          <a:blip r:embed="rId3" cstate="email">
+            <a:extLst>
+              <a:ext uri="{28A0092B-C50C-407E-A947-70E740481C1C}">
+                <a14:useLocalDpi xmlns:a14="http://schemas.microsoft.com/office/drawing/2010/main"/>
+              </a:ext>
+            </a:extLst>
+          </a:blip>
+          <a:srcRect/>
+          <a:stretch>
+            <a:fillRect/>
+          </a:stretch>
+        </p:blipFill>
+        <p:spPr bwMode="auto">
+          <a:xfrm>
+            <a:off x="79588" y="2268624"/>
+            <a:ext cx="1628671" cy="1411515"/>
+          </a:xfrm>
+          <a:prstGeom prst="rect">
+            <a:avLst/>
+          </a:prstGeom>
+          <a:noFill/>
+          <a:ln>
+            <a:solidFill>
+              <a:srgbClr val="FF0000"/>
+            </a:solidFill>
+          </a:ln>
+          <a:extLst>
+            <a:ext uri="{909E8E84-426E-40DD-AFC4-6F175D3DCCD1}">
+              <a14:hiddenFill xmlns:a14="http://schemas.microsoft.com/office/drawing/2010/main">
+                <a:solidFill>
+                  <a:srgbClr val="FFFFFF"/>
+                </a:solidFill>
+              </a14:hiddenFill>
+            </a:ext>
+          </a:extLst>
+        </p:spPr>
+      </p:pic>
+      <p:sp>
+        <p:nvSpPr>
+          <p:cNvPr id="5" name="TextBox 4">
+            <a:extLst>
+              <a:ext uri="{FF2B5EF4-FFF2-40B4-BE49-F238E27FC236}">
+                <a16:creationId xmlns:a16="http://schemas.microsoft.com/office/drawing/2014/main" id="{0ACD1128-AA86-B383-AD8D-4EEF7F6BF900}"/>
+              </a:ext>
+            </a:extLst>
+          </p:cNvPr>
+          <p:cNvSpPr txBox="1"/>
+          <p:nvPr/>
+        </p:nvSpPr>
+        <p:spPr>
+          <a:xfrm>
+            <a:off x="-4742945" y="3575503"/>
+            <a:ext cx="814336" cy="646331"/>
+          </a:xfrm>
+          <a:prstGeom prst="rect">
+            <a:avLst/>
+          </a:prstGeom>
+          <a:solidFill>
+            <a:schemeClr val="accent4">
+              <a:lumMod val="20000"/>
+              <a:lumOff val="80000"/>
+            </a:schemeClr>
+          </a:solidFill>
+          <a:ln>
+            <a:solidFill>
+              <a:srgbClr val="FF0000"/>
+            </a:solidFill>
+          </a:ln>
+        </p:spPr>
+        <p:txBody>
+          <a:bodyPr wrap="square">
+            <a:spAutoFit/>
+          </a:bodyPr>
+          <a:lstStyle/>
+          <a:p>
+            <a:pPr algn="ctr"/>
+            <a:r>
+              <a:rPr lang="en-US" sz="1200" b="0" i="0" dirty="0">
+                <a:solidFill>
+                  <a:srgbClr val="374151"/>
+                </a:solidFill>
+                <a:effectLst/>
+                <a:latin typeface="Calibri" panose="020F0502020204030204" pitchFamily="34" charset="0"/>
+                <a:cs typeface="Calibri" panose="020F0502020204030204" pitchFamily="34" charset="0"/>
+              </a:rPr>
+              <a:t>Wet stone holders</a:t>
+            </a:r>
+            <a:endParaRPr lang="en-US" sz="1200" dirty="0">
+              <a:latin typeface="Calibri" panose="020F0502020204030204" pitchFamily="34" charset="0"/>
+              <a:cs typeface="Calibri" panose="020F0502020204030204" pitchFamily="34" charset="0"/>
+            </a:endParaRPr>
+          </a:p>
+        </p:txBody>
+      </p:sp>
+      <p:pic>
+        <p:nvPicPr>
+          <p:cNvPr id="2054" name="Picture 6" descr="Peening Jig">
+            <a:extLst>
+              <a:ext uri="{FF2B5EF4-FFF2-40B4-BE49-F238E27FC236}">
+                <a16:creationId xmlns:a16="http://schemas.microsoft.com/office/drawing/2014/main" id="{9B94DDF7-8E1C-34F3-7174-9ADBB65B362B}"/>
+              </a:ext>
+            </a:extLst>
+          </p:cNvPr>
+          <p:cNvPicPr>
+            <a:picLocks noChangeAspect="1" noChangeArrowheads="1"/>
+          </p:cNvPicPr>
+          <p:nvPr/>
+        </p:nvPicPr>
+        <p:blipFill>
+          <a:blip r:embed="rId4" cstate="email">
+            <a:extLst>
+              <a:ext uri="{28A0092B-C50C-407E-A947-70E740481C1C}">
+                <a14:useLocalDpi xmlns:a14="http://schemas.microsoft.com/office/drawing/2010/main"/>
+              </a:ext>
+            </a:extLst>
+          </a:blip>
+          <a:srcRect/>
+          <a:stretch>
+            <a:fillRect/>
+          </a:stretch>
+        </p:blipFill>
+        <p:spPr bwMode="auto">
+          <a:xfrm>
+            <a:off x="10195729" y="3198993"/>
+            <a:ext cx="1905000" cy="2057400"/>
+          </a:xfrm>
+          <a:prstGeom prst="rect">
+            <a:avLst/>
+          </a:prstGeom>
+          <a:noFill/>
+          <a:ln>
+            <a:solidFill>
+              <a:srgbClr val="FF0000"/>
+            </a:solidFill>
+          </a:ln>
+          <a:extLst>
+            <a:ext uri="{909E8E84-426E-40DD-AFC4-6F175D3DCCD1}">
+              <a14:hiddenFill xmlns:a14="http://schemas.microsoft.com/office/drawing/2010/main">
+                <a:solidFill>
+                  <a:srgbClr val="FFFFFF"/>
+                </a:solidFill>
+              </a14:hiddenFill>
+            </a:ext>
+          </a:extLst>
+        </p:spPr>
+      </p:pic>
+      <p:sp>
+        <p:nvSpPr>
+          <p:cNvPr id="7" name="TextBox 6">
+            <a:extLst>
+              <a:ext uri="{FF2B5EF4-FFF2-40B4-BE49-F238E27FC236}">
+                <a16:creationId xmlns:a16="http://schemas.microsoft.com/office/drawing/2014/main" id="{B546F849-F0FE-6183-1D06-FB67B097260B}"/>
+              </a:ext>
+            </a:extLst>
+          </p:cNvPr>
+          <p:cNvSpPr txBox="1"/>
+          <p:nvPr/>
+        </p:nvSpPr>
+        <p:spPr>
+          <a:xfrm>
+            <a:off x="81519" y="1900133"/>
+            <a:ext cx="1628671" cy="276999"/>
+          </a:xfrm>
+          <a:prstGeom prst="rect">
+            <a:avLst/>
+          </a:prstGeom>
+          <a:solidFill>
+            <a:schemeClr val="accent4">
+              <a:lumMod val="20000"/>
+              <a:lumOff val="80000"/>
+            </a:schemeClr>
+          </a:solidFill>
+          <a:ln>
+            <a:solidFill>
+              <a:srgbClr val="FF0000"/>
+            </a:solidFill>
+          </a:ln>
+        </p:spPr>
+        <p:txBody>
+          <a:bodyPr wrap="square">
+            <a:spAutoFit/>
+          </a:bodyPr>
+          <a:lstStyle/>
+          <a:p>
+            <a:r>
+              <a:rPr lang="en-US" sz="1200" b="0" i="0" dirty="0">
+                <a:solidFill>
+                  <a:srgbClr val="374151"/>
+                </a:solidFill>
+                <a:effectLst/>
+                <a:latin typeface="Calibri" panose="020F0502020204030204" pitchFamily="34" charset="0"/>
+                <a:cs typeface="Calibri" panose="020F0502020204030204" pitchFamily="34" charset="0"/>
+              </a:rPr>
+              <a:t>Wet stone Holders</a:t>
+            </a:r>
+            <a:endParaRPr lang="en-US" sz="1200" dirty="0">
+              <a:latin typeface="Calibri" panose="020F0502020204030204" pitchFamily="34" charset="0"/>
+              <a:cs typeface="Calibri" panose="020F0502020204030204" pitchFamily="34" charset="0"/>
+            </a:endParaRPr>
+          </a:p>
+        </p:txBody>
+      </p:sp>
+      <p:sp>
+        <p:nvSpPr>
+          <p:cNvPr id="8" name="TextBox 7">
+            <a:extLst>
+              <a:ext uri="{FF2B5EF4-FFF2-40B4-BE49-F238E27FC236}">
+                <a16:creationId xmlns:a16="http://schemas.microsoft.com/office/drawing/2014/main" id="{9AAF95B5-92AD-2541-414D-CA5ECD66E46E}"/>
+              </a:ext>
+            </a:extLst>
+          </p:cNvPr>
+          <p:cNvSpPr txBox="1"/>
+          <p:nvPr/>
+        </p:nvSpPr>
+        <p:spPr>
+          <a:xfrm>
+            <a:off x="10963172" y="2835883"/>
+            <a:ext cx="1125541" cy="276999"/>
+          </a:xfrm>
+          <a:prstGeom prst="rect">
+            <a:avLst/>
+          </a:prstGeom>
+          <a:solidFill>
+            <a:schemeClr val="accent4">
+              <a:lumMod val="20000"/>
+              <a:lumOff val="80000"/>
+            </a:schemeClr>
+          </a:solidFill>
+          <a:ln>
+            <a:solidFill>
+              <a:srgbClr val="FF0000"/>
+            </a:solidFill>
+          </a:ln>
+        </p:spPr>
+        <p:txBody>
+          <a:bodyPr wrap="square">
+            <a:spAutoFit/>
+          </a:bodyPr>
+          <a:lstStyle/>
+          <a:p>
+            <a:r>
+              <a:rPr lang="en-US" sz="1200" b="0" i="0" dirty="0">
+                <a:solidFill>
+                  <a:srgbClr val="374151"/>
+                </a:solidFill>
+                <a:effectLst/>
+                <a:latin typeface="Calibri" panose="020F0502020204030204" pitchFamily="34" charset="0"/>
+                <a:cs typeface="Calibri" panose="020F0502020204030204" pitchFamily="34" charset="0"/>
+              </a:rPr>
+              <a:t>Peening Rig</a:t>
+            </a:r>
+            <a:endParaRPr lang="en-US" sz="1200" dirty="0">
+              <a:latin typeface="Calibri" panose="020F0502020204030204" pitchFamily="34" charset="0"/>
+              <a:cs typeface="Calibri" panose="020F0502020204030204" pitchFamily="34" charset="0"/>
+            </a:endParaRPr>
+          </a:p>
+        </p:txBody>
+      </p:sp>
+      <p:pic>
+        <p:nvPicPr>
+          <p:cNvPr id="2056" name="Picture 8" descr="Wide and Narrow Anvils">
+            <a:extLst>
+              <a:ext uri="{FF2B5EF4-FFF2-40B4-BE49-F238E27FC236}">
+                <a16:creationId xmlns:a16="http://schemas.microsoft.com/office/drawing/2014/main" id="{597A9C96-DA07-B622-2AB9-F5F30EB4FCE6}"/>
+              </a:ext>
+            </a:extLst>
+          </p:cNvPr>
+          <p:cNvPicPr>
+            <a:picLocks noChangeAspect="1" noChangeArrowheads="1"/>
+          </p:cNvPicPr>
+          <p:nvPr/>
+        </p:nvPicPr>
+        <p:blipFill>
+          <a:blip r:embed="rId5" cstate="email">
+            <a:extLst>
+              <a:ext uri="{28A0092B-C50C-407E-A947-70E740481C1C}">
+                <a14:useLocalDpi xmlns:a14="http://schemas.microsoft.com/office/drawing/2010/main"/>
+              </a:ext>
+            </a:extLst>
+          </a:blip>
+          <a:srcRect/>
+          <a:stretch>
+            <a:fillRect/>
+          </a:stretch>
+        </p:blipFill>
+        <p:spPr bwMode="auto">
+          <a:xfrm>
+            <a:off x="2443845" y="650442"/>
+            <a:ext cx="1933470" cy="1015072"/>
+          </a:xfrm>
+          <a:prstGeom prst="rect">
+            <a:avLst/>
+          </a:prstGeom>
+          <a:noFill/>
+          <a:ln>
+            <a:solidFill>
+              <a:srgbClr val="FF0000"/>
+            </a:solidFill>
+          </a:ln>
+          <a:extLst>
+            <a:ext uri="{909E8E84-426E-40DD-AFC4-6F175D3DCCD1}">
+              <a14:hiddenFill xmlns:a14="http://schemas.microsoft.com/office/drawing/2010/main">
+                <a:solidFill>
+                  <a:srgbClr val="FFFFFF"/>
+                </a:solidFill>
+              </a14:hiddenFill>
+            </a:ext>
+          </a:extLst>
+        </p:spPr>
+      </p:pic>
+      <p:sp>
+        <p:nvSpPr>
+          <p:cNvPr id="9" name="TextBox 8">
+            <a:extLst>
+              <a:ext uri="{FF2B5EF4-FFF2-40B4-BE49-F238E27FC236}">
+                <a16:creationId xmlns:a16="http://schemas.microsoft.com/office/drawing/2014/main" id="{0BAD246D-530D-51F6-A148-B545C9C426CF}"/>
+              </a:ext>
+            </a:extLst>
+          </p:cNvPr>
+          <p:cNvSpPr txBox="1"/>
+          <p:nvPr/>
+        </p:nvSpPr>
+        <p:spPr>
+          <a:xfrm>
+            <a:off x="4409947" y="1299997"/>
+            <a:ext cx="756686" cy="276999"/>
+          </a:xfrm>
+          <a:prstGeom prst="rect">
+            <a:avLst/>
+          </a:prstGeom>
+          <a:solidFill>
+            <a:schemeClr val="accent4">
+              <a:lumMod val="20000"/>
+              <a:lumOff val="80000"/>
+            </a:schemeClr>
+          </a:solidFill>
+          <a:ln>
+            <a:solidFill>
+              <a:srgbClr val="FF0000"/>
+            </a:solidFill>
+          </a:ln>
+        </p:spPr>
+        <p:txBody>
+          <a:bodyPr wrap="square">
+            <a:spAutoFit/>
+          </a:bodyPr>
+          <a:lstStyle/>
+          <a:p>
+            <a:r>
+              <a:rPr lang="en-US" sz="1200" b="0" i="0" dirty="0">
+                <a:solidFill>
+                  <a:srgbClr val="374151"/>
+                </a:solidFill>
+                <a:effectLst/>
+                <a:latin typeface="Calibri" panose="020F0502020204030204" pitchFamily="34" charset="0"/>
+                <a:cs typeface="Calibri" panose="020F0502020204030204" pitchFamily="34" charset="0"/>
+              </a:rPr>
+              <a:t>Anvils</a:t>
+            </a:r>
+            <a:endParaRPr lang="en-US" sz="1200" dirty="0">
+              <a:latin typeface="Calibri" panose="020F0502020204030204" pitchFamily="34" charset="0"/>
+              <a:cs typeface="Calibri" panose="020F0502020204030204" pitchFamily="34" charset="0"/>
+            </a:endParaRPr>
+          </a:p>
+        </p:txBody>
+      </p:sp>
+      <p:pic>
+        <p:nvPicPr>
+          <p:cNvPr id="2058" name="Picture 10" descr="Schroeckenfux Anvil">
+            <a:extLst>
+              <a:ext uri="{FF2B5EF4-FFF2-40B4-BE49-F238E27FC236}">
+                <a16:creationId xmlns:a16="http://schemas.microsoft.com/office/drawing/2014/main" id="{48F4A442-4E8E-22E7-7D20-13DEF746C67E}"/>
+              </a:ext>
+            </a:extLst>
+          </p:cNvPr>
+          <p:cNvPicPr>
+            <a:picLocks noChangeAspect="1" noChangeArrowheads="1"/>
+          </p:cNvPicPr>
+          <p:nvPr/>
+        </p:nvPicPr>
+        <p:blipFill>
+          <a:blip r:embed="rId6" cstate="email">
+            <a:extLst>
+              <a:ext uri="{28A0092B-C50C-407E-A947-70E740481C1C}">
+                <a14:useLocalDpi xmlns:a14="http://schemas.microsoft.com/office/drawing/2010/main"/>
+              </a:ext>
+            </a:extLst>
+          </a:blip>
+          <a:srcRect/>
+          <a:stretch>
+            <a:fillRect/>
+          </a:stretch>
+        </p:blipFill>
+        <p:spPr bwMode="auto">
+          <a:xfrm>
+            <a:off x="2437467" y="1783356"/>
+            <a:ext cx="2011036" cy="4947422"/>
+          </a:xfrm>
+          <a:prstGeom prst="rect">
+            <a:avLst/>
+          </a:prstGeom>
+          <a:noFill/>
+          <a:ln>
+            <a:solidFill>
+              <a:srgbClr val="FF0000"/>
+            </a:solidFill>
+          </a:ln>
+          <a:extLst>
+            <a:ext uri="{909E8E84-426E-40DD-AFC4-6F175D3DCCD1}">
+              <a14:hiddenFill xmlns:a14="http://schemas.microsoft.com/office/drawing/2010/main">
+                <a:solidFill>
+                  <a:srgbClr val="FFFFFF"/>
+                </a:solidFill>
+              </a14:hiddenFill>
+            </a:ext>
+          </a:extLst>
+        </p:spPr>
+      </p:pic>
+      <p:sp>
+        <p:nvSpPr>
+          <p:cNvPr id="11" name="TextBox 10">
+            <a:extLst>
+              <a:ext uri="{FF2B5EF4-FFF2-40B4-BE49-F238E27FC236}">
+                <a16:creationId xmlns:a16="http://schemas.microsoft.com/office/drawing/2014/main" id="{93E6A1DF-5623-EF74-3D33-B90433A4BE79}"/>
+              </a:ext>
+            </a:extLst>
+          </p:cNvPr>
+          <p:cNvSpPr txBox="1"/>
+          <p:nvPr/>
+        </p:nvSpPr>
+        <p:spPr>
+          <a:xfrm>
+            <a:off x="3015343" y="127222"/>
+            <a:ext cx="2917371" cy="276999"/>
+          </a:xfrm>
+          <a:prstGeom prst="rect">
+            <a:avLst/>
+          </a:prstGeom>
+          <a:solidFill>
+            <a:schemeClr val="accent4">
+              <a:lumMod val="20000"/>
+              <a:lumOff val="80000"/>
+            </a:schemeClr>
+          </a:solidFill>
+          <a:ln>
+            <a:solidFill>
+              <a:srgbClr val="FF0000"/>
+            </a:solidFill>
+          </a:ln>
+        </p:spPr>
+        <p:txBody>
+          <a:bodyPr wrap="square">
+            <a:spAutoFit/>
+          </a:bodyPr>
+          <a:lstStyle/>
+          <a:p>
+            <a:r>
+              <a:rPr lang="en-US" sz="1200" dirty="0">
+                <a:solidFill>
+                  <a:srgbClr val="374151"/>
+                </a:solidFill>
+                <a:latin typeface="Calibri" panose="020F0502020204030204" pitchFamily="34" charset="0"/>
+                <a:cs typeface="Calibri" panose="020F0502020204030204" pitchFamily="34" charset="0"/>
+                <a:hlinkClick r:id="rId7"/>
+              </a:rPr>
+              <a:t>https://</a:t>
+            </a:r>
+            <a:r>
+              <a:rPr lang="en-US" sz="1200" dirty="0" err="1">
+                <a:solidFill>
+                  <a:srgbClr val="374151"/>
+                </a:solidFill>
+                <a:latin typeface="Calibri" panose="020F0502020204030204" pitchFamily="34" charset="0"/>
+                <a:cs typeface="Calibri" panose="020F0502020204030204" pitchFamily="34" charset="0"/>
+                <a:hlinkClick r:id="rId7"/>
+              </a:rPr>
+              <a:t>scythesupply.com</a:t>
+            </a:r>
+            <a:r>
+              <a:rPr lang="en-US" sz="1200" dirty="0">
+                <a:solidFill>
+                  <a:srgbClr val="374151"/>
+                </a:solidFill>
+                <a:latin typeface="Calibri" panose="020F0502020204030204" pitchFamily="34" charset="0"/>
+                <a:cs typeface="Calibri" panose="020F0502020204030204" pitchFamily="34" charset="0"/>
+                <a:hlinkClick r:id="rId7"/>
+              </a:rPr>
+              <a:t>/</a:t>
+            </a:r>
+            <a:r>
+              <a:rPr lang="en-US" sz="1200" dirty="0" err="1">
+                <a:solidFill>
+                  <a:srgbClr val="374151"/>
+                </a:solidFill>
+                <a:latin typeface="Calibri" panose="020F0502020204030204" pitchFamily="34" charset="0"/>
+                <a:cs typeface="Calibri" panose="020F0502020204030204" pitchFamily="34" charset="0"/>
+                <a:hlinkClick r:id="rId7"/>
+              </a:rPr>
+              <a:t>equipment.html</a:t>
+            </a:r>
+            <a:endParaRPr lang="en-US" sz="1200" dirty="0">
+              <a:latin typeface="Calibri" panose="020F0502020204030204" pitchFamily="34" charset="0"/>
+              <a:cs typeface="Calibri" panose="020F0502020204030204" pitchFamily="34" charset="0"/>
+            </a:endParaRPr>
+          </a:p>
+        </p:txBody>
+      </p:sp>
+      <p:pic>
+        <p:nvPicPr>
+          <p:cNvPr id="12" name="Picture 11">
+            <a:extLst>
+              <a:ext uri="{FF2B5EF4-FFF2-40B4-BE49-F238E27FC236}">
+                <a16:creationId xmlns:a16="http://schemas.microsoft.com/office/drawing/2014/main" id="{DD4F443F-DCD6-0355-C3CA-D1C202C5463B}"/>
+              </a:ext>
+            </a:extLst>
+          </p:cNvPr>
+          <p:cNvPicPr>
+            <a:picLocks noChangeAspect="1"/>
+          </p:cNvPicPr>
+          <p:nvPr/>
+        </p:nvPicPr>
+        <p:blipFill>
+          <a:blip r:embed="rId8" cstate="email">
+            <a:extLst>
+              <a:ext uri="{28A0092B-C50C-407E-A947-70E740481C1C}">
+                <a14:useLocalDpi xmlns:a14="http://schemas.microsoft.com/office/drawing/2010/main"/>
+              </a:ext>
+            </a:extLst>
+          </a:blip>
+          <a:stretch>
+            <a:fillRect/>
+          </a:stretch>
+        </p:blipFill>
+        <p:spPr>
+          <a:xfrm>
+            <a:off x="79588" y="3771631"/>
+            <a:ext cx="1634617" cy="2794374"/>
+          </a:xfrm>
+          <a:prstGeom prst="rect">
+            <a:avLst/>
+          </a:prstGeom>
+          <a:ln>
+            <a:solidFill>
+              <a:srgbClr val="FF0000"/>
+            </a:solidFill>
+          </a:ln>
+        </p:spPr>
+      </p:pic>
+      <p:pic>
+        <p:nvPicPr>
+          <p:cNvPr id="14" name="Picture 13">
+            <a:extLst>
+              <a:ext uri="{FF2B5EF4-FFF2-40B4-BE49-F238E27FC236}">
+                <a16:creationId xmlns:a16="http://schemas.microsoft.com/office/drawing/2014/main" id="{6C5F2923-A2CC-4A17-BDA0-9F8DD90BC20A}"/>
+              </a:ext>
+            </a:extLst>
+          </p:cNvPr>
+          <p:cNvPicPr>
+            <a:picLocks noChangeAspect="1"/>
+          </p:cNvPicPr>
+          <p:nvPr/>
+        </p:nvPicPr>
+        <p:blipFill>
+          <a:blip r:embed="rId9" cstate="email">
+            <a:extLst>
+              <a:ext uri="{28A0092B-C50C-407E-A947-70E740481C1C}">
+                <a14:useLocalDpi xmlns:a14="http://schemas.microsoft.com/office/drawing/2010/main"/>
+              </a:ext>
+            </a:extLst>
+          </a:blip>
+          <a:stretch>
+            <a:fillRect/>
+          </a:stretch>
+        </p:blipFill>
+        <p:spPr>
+          <a:xfrm>
+            <a:off x="8730218" y="127221"/>
+            <a:ext cx="3380263" cy="2452682"/>
+          </a:xfrm>
+          <a:prstGeom prst="rect">
+            <a:avLst/>
+          </a:prstGeom>
+          <a:ln>
+            <a:solidFill>
+              <a:srgbClr val="FF0000"/>
+            </a:solidFill>
+          </a:ln>
+        </p:spPr>
+      </p:pic>
+      <p:sp>
+        <p:nvSpPr>
+          <p:cNvPr id="15" name="TextBox 14">
+            <a:extLst>
+              <a:ext uri="{FF2B5EF4-FFF2-40B4-BE49-F238E27FC236}">
+                <a16:creationId xmlns:a16="http://schemas.microsoft.com/office/drawing/2014/main" id="{ED04B800-B672-52BF-0C12-3F151C4EE693}"/>
+              </a:ext>
+            </a:extLst>
+          </p:cNvPr>
+          <p:cNvSpPr txBox="1"/>
+          <p:nvPr/>
+        </p:nvSpPr>
+        <p:spPr>
+          <a:xfrm>
+            <a:off x="4558983" y="3771631"/>
+            <a:ext cx="1507669" cy="830997"/>
+          </a:xfrm>
+          <a:prstGeom prst="rect">
+            <a:avLst/>
+          </a:prstGeom>
+          <a:solidFill>
+            <a:schemeClr val="accent4">
+              <a:lumMod val="20000"/>
+              <a:lumOff val="80000"/>
+            </a:schemeClr>
+          </a:solidFill>
+          <a:ln>
+            <a:solidFill>
+              <a:srgbClr val="FF0000"/>
+            </a:solidFill>
+          </a:ln>
+        </p:spPr>
+        <p:txBody>
+          <a:bodyPr wrap="square">
+            <a:spAutoFit/>
+          </a:bodyPr>
+          <a:lstStyle/>
+          <a:p>
+            <a:r>
+              <a:rPr lang="en-US" sz="1200" b="1" dirty="0" err="1">
+                <a:solidFill>
+                  <a:srgbClr val="FF0000"/>
+                </a:solidFill>
+                <a:latin typeface="Calibri" panose="020F0502020204030204" pitchFamily="34" charset="0"/>
+                <a:cs typeface="Calibri" panose="020F0502020204030204" pitchFamily="34" charset="0"/>
+              </a:rPr>
+              <a:t>Schroeckenfux</a:t>
+            </a:r>
+            <a:r>
+              <a:rPr lang="en-US" sz="1200" b="1" dirty="0">
+                <a:solidFill>
+                  <a:srgbClr val="FF0000"/>
+                </a:solidFill>
+                <a:latin typeface="Calibri" panose="020F0502020204030204" pitchFamily="34" charset="0"/>
+                <a:cs typeface="Calibri" panose="020F0502020204030204" pitchFamily="34" charset="0"/>
+              </a:rPr>
+              <a:t> Anvil</a:t>
+            </a:r>
+          </a:p>
+          <a:p>
+            <a:r>
+              <a:rPr lang="en-US" sz="1200" dirty="0">
+                <a:solidFill>
+                  <a:srgbClr val="374151"/>
+                </a:solidFill>
+                <a:latin typeface="Calibri" panose="020F0502020204030204" pitchFamily="34" charset="0"/>
+                <a:cs typeface="Calibri" panose="020F0502020204030204" pitchFamily="34" charset="0"/>
+              </a:rPr>
+              <a:t>Peening Anvil with guides and a flange for support</a:t>
+            </a:r>
+            <a:endParaRPr lang="en-US" sz="1200" dirty="0">
+              <a:latin typeface="Calibri" panose="020F0502020204030204" pitchFamily="34" charset="0"/>
+              <a:cs typeface="Calibri" panose="020F0502020204030204" pitchFamily="34" charset="0"/>
+            </a:endParaRPr>
+          </a:p>
+        </p:txBody>
+      </p:sp>
+      <p:pic>
+        <p:nvPicPr>
+          <p:cNvPr id="2060" name="Picture 12" descr="Peening Jig">
+            <a:extLst>
+              <a:ext uri="{FF2B5EF4-FFF2-40B4-BE49-F238E27FC236}">
+                <a16:creationId xmlns:a16="http://schemas.microsoft.com/office/drawing/2014/main" id="{CC228072-458F-7150-E00B-EF73D9F8CE5F}"/>
+              </a:ext>
+            </a:extLst>
+          </p:cNvPr>
+          <p:cNvPicPr>
+            <a:picLocks noChangeAspect="1" noChangeArrowheads="1"/>
+          </p:cNvPicPr>
+          <p:nvPr/>
+        </p:nvPicPr>
+        <p:blipFill>
+          <a:blip r:embed="rId10" cstate="email">
+            <a:extLst>
+              <a:ext uri="{28A0092B-C50C-407E-A947-70E740481C1C}">
+                <a14:useLocalDpi xmlns:a14="http://schemas.microsoft.com/office/drawing/2010/main"/>
+              </a:ext>
+            </a:extLst>
+          </a:blip>
+          <a:srcRect/>
+          <a:stretch>
+            <a:fillRect/>
+          </a:stretch>
+        </p:blipFill>
+        <p:spPr bwMode="auto">
+          <a:xfrm>
+            <a:off x="6177132" y="127210"/>
+            <a:ext cx="2452693" cy="2452693"/>
+          </a:xfrm>
+          <a:prstGeom prst="rect">
+            <a:avLst/>
+          </a:prstGeom>
+          <a:noFill/>
+          <a:ln>
+            <a:solidFill>
+              <a:srgbClr val="FF0000"/>
+            </a:solidFill>
+          </a:ln>
+          <a:extLst>
+            <a:ext uri="{909E8E84-426E-40DD-AFC4-6F175D3DCCD1}">
+              <a14:hiddenFill xmlns:a14="http://schemas.microsoft.com/office/drawing/2010/main">
+                <a:solidFill>
+                  <a:srgbClr val="FFFFFF"/>
+                </a:solidFill>
+              </a14:hiddenFill>
+            </a:ext>
+          </a:extLst>
+        </p:spPr>
+      </p:pic>
+    </p:spTree>
+    <p:extLst>
+      <p:ext uri="{BB962C8B-B14F-4D97-AF65-F5344CB8AC3E}">
+        <p14:creationId xmlns:p14="http://schemas.microsoft.com/office/powerpoint/2010/main" val="4246760280"/>
       </p:ext>
     </p:extLst>
   </p:cSld>
